--- a/Documents/Lab8/N7_Abstract_class.pptx
+++ b/Documents/Lab8/N7_Abstract_class.pptx
@@ -159,7 +159,7 @@
 <file path=ppt/revisionInfo.xml><?xml version="1.0" encoding="utf-8"?>
 <p1510:revInfo xmlns:a="http://schemas.openxmlformats.org/drawingml/2006/main" xmlns:r="http://schemas.openxmlformats.org/officeDocument/2006/relationships" xmlns:p1510="http://schemas.microsoft.com/office/powerpoint/2015/10/main">
   <p1510:revLst>
-    <p1510:client id="{2920C6CB-92AD-4823-B353-AE4B390FA851}" v="4" dt="2022-04-14T01:12:21.209"/>
+    <p1510:client id="{2920C6CB-92AD-4823-B353-AE4B390FA851}" v="15" dt="2022-04-14T02:28:25.701"/>
   </p1510:revLst>
 </p1510:revInfo>
 </file>
@@ -169,12 +169,87 @@
   <pc:docChgLst>
     <pc:chgData name="Trong Tinh Vo" userId="f698301ebf0935c2" providerId="LiveId" clId="{2920C6CB-92AD-4823-B353-AE4B390FA851}"/>
     <pc:docChg chg="undo custSel modSld">
-      <pc:chgData name="Trong Tinh Vo" userId="f698301ebf0935c2" providerId="LiveId" clId="{2920C6CB-92AD-4823-B353-AE4B390FA851}" dt="2022-04-14T01:14:11.050" v="793"/>
+      <pc:chgData name="Trong Tinh Vo" userId="f698301ebf0935c2" providerId="LiveId" clId="{2920C6CB-92AD-4823-B353-AE4B390FA851}" dt="2022-04-14T02:28:25.701" v="804"/>
       <pc:docMkLst>
         <pc:docMk/>
       </pc:docMkLst>
-      <pc:sldChg chg="addSp delSp modSp mod">
-        <pc:chgData name="Trong Tinh Vo" userId="f698301ebf0935c2" providerId="LiveId" clId="{2920C6CB-92AD-4823-B353-AE4B390FA851}" dt="2022-04-14T01:13:23.338" v="791" actId="20577"/>
+      <pc:sldChg chg="addSp delSp modSp modTransition modAnim">
+        <pc:chgData name="Trong Tinh Vo" userId="f698301ebf0935c2" providerId="LiveId" clId="{2920C6CB-92AD-4823-B353-AE4B390FA851}" dt="2022-04-14T02:28:25.701" v="804"/>
+        <pc:sldMkLst>
+          <pc:docMk/>
+          <pc:sldMk cId="0" sldId="256"/>
+        </pc:sldMkLst>
+        <pc:picChg chg="add del mod">
+          <ac:chgData name="Trong Tinh Vo" userId="f698301ebf0935c2" providerId="LiveId" clId="{2920C6CB-92AD-4823-B353-AE4B390FA851}" dt="2022-04-14T02:20:32.626" v="795"/>
+          <ac:picMkLst>
+            <pc:docMk/>
+            <pc:sldMk cId="0" sldId="256"/>
+            <ac:picMk id="12" creationId="{F1174512-C1A3-4950-875D-5A1E4D6DA94E}"/>
+          </ac:picMkLst>
+        </pc:picChg>
+        <pc:picChg chg="add del mod">
+          <ac:chgData name="Trong Tinh Vo" userId="f698301ebf0935c2" providerId="LiveId" clId="{2920C6CB-92AD-4823-B353-AE4B390FA851}" dt="2022-04-14T02:28:25.701" v="804"/>
+          <ac:picMkLst>
+            <pc:docMk/>
+            <pc:sldMk cId="0" sldId="256"/>
+            <ac:picMk id="13" creationId="{15580DA7-DD0E-45F4-B852-5030137245A0}"/>
+          </ac:picMkLst>
+        </pc:picChg>
+      </pc:sldChg>
+      <pc:sldChg chg="addSp delSp modSp modTransition modAnim">
+        <pc:chgData name="Trong Tinh Vo" userId="f698301ebf0935c2" providerId="LiveId" clId="{2920C6CB-92AD-4823-B353-AE4B390FA851}" dt="2022-04-14T02:28:25.701" v="804"/>
+        <pc:sldMkLst>
+          <pc:docMk/>
+          <pc:sldMk cId="0" sldId="257"/>
+        </pc:sldMkLst>
+        <pc:picChg chg="add del mod">
+          <ac:chgData name="Trong Tinh Vo" userId="f698301ebf0935c2" providerId="LiveId" clId="{2920C6CB-92AD-4823-B353-AE4B390FA851}" dt="2022-04-14T02:28:25.701" v="804"/>
+          <ac:picMkLst>
+            <pc:docMk/>
+            <pc:sldMk cId="0" sldId="257"/>
+            <ac:picMk id="7" creationId="{706A0481-EA13-419A-BE40-EAD1B467A0E6}"/>
+          </ac:picMkLst>
+        </pc:picChg>
+      </pc:sldChg>
+      <pc:sldChg chg="addSp delSp modSp modTransition modAnim">
+        <pc:chgData name="Trong Tinh Vo" userId="f698301ebf0935c2" providerId="LiveId" clId="{2920C6CB-92AD-4823-B353-AE4B390FA851}" dt="2022-04-14T02:28:25.701" v="804"/>
+        <pc:sldMkLst>
+          <pc:docMk/>
+          <pc:sldMk cId="0" sldId="258"/>
+        </pc:sldMkLst>
+        <pc:picChg chg="add del mod">
+          <ac:chgData name="Trong Tinh Vo" userId="f698301ebf0935c2" providerId="LiveId" clId="{2920C6CB-92AD-4823-B353-AE4B390FA851}" dt="2022-04-14T02:28:25.701" v="804"/>
+          <ac:picMkLst>
+            <pc:docMk/>
+            <pc:sldMk cId="0" sldId="258"/>
+            <ac:picMk id="9" creationId="{EEE20002-FFBE-44A9-8E14-2DDDBFADC8D4}"/>
+          </ac:picMkLst>
+        </pc:picChg>
+      </pc:sldChg>
+      <pc:sldChg chg="addSp delSp modSp modTransition modAnim">
+        <pc:chgData name="Trong Tinh Vo" userId="f698301ebf0935c2" providerId="LiveId" clId="{2920C6CB-92AD-4823-B353-AE4B390FA851}" dt="2022-04-14T02:28:25.701" v="804"/>
+        <pc:sldMkLst>
+          <pc:docMk/>
+          <pc:sldMk cId="0" sldId="259"/>
+        </pc:sldMkLst>
+        <pc:picChg chg="add del mod">
+          <ac:chgData name="Trong Tinh Vo" userId="f698301ebf0935c2" providerId="LiveId" clId="{2920C6CB-92AD-4823-B353-AE4B390FA851}" dt="2022-04-14T02:28:25.701" v="804"/>
+          <ac:picMkLst>
+            <pc:docMk/>
+            <pc:sldMk cId="0" sldId="259"/>
+            <ac:picMk id="12" creationId="{E3B94E1F-F132-4BCA-A364-4979F376E297}"/>
+          </ac:picMkLst>
+        </pc:picChg>
+      </pc:sldChg>
+      <pc:sldChg chg="modTransition">
+        <pc:chgData name="Trong Tinh Vo" userId="f698301ebf0935c2" providerId="LiveId" clId="{2920C6CB-92AD-4823-B353-AE4B390FA851}" dt="2022-04-14T02:28:25.701" v="804"/>
+        <pc:sldMkLst>
+          <pc:docMk/>
+          <pc:sldMk cId="0" sldId="260"/>
+        </pc:sldMkLst>
+      </pc:sldChg>
+      <pc:sldChg chg="addSp delSp modSp mod modTransition modAnim">
+        <pc:chgData name="Trong Tinh Vo" userId="f698301ebf0935c2" providerId="LiveId" clId="{2920C6CB-92AD-4823-B353-AE4B390FA851}" dt="2022-04-14T02:28:25.701" v="804"/>
         <pc:sldMkLst>
           <pc:docMk/>
           <pc:sldMk cId="0" sldId="261"/>
@@ -267,9 +342,40 @@
             <ac:picMk id="5" creationId="{00000000-0000-0000-0000-000000000000}"/>
           </ac:picMkLst>
         </pc:picChg>
+        <pc:picChg chg="add del mod">
+          <ac:chgData name="Trong Tinh Vo" userId="f698301ebf0935c2" providerId="LiveId" clId="{2920C6CB-92AD-4823-B353-AE4B390FA851}" dt="2022-04-14T02:28:25.701" v="804"/>
+          <ac:picMkLst>
+            <pc:docMk/>
+            <pc:sldMk cId="0" sldId="261"/>
+            <ac:picMk id="6" creationId="{93888138-BEBE-4D54-8047-061D9FF8A9B8}"/>
+          </ac:picMkLst>
+        </pc:picChg>
       </pc:sldChg>
-      <pc:sldChg chg="addSp delSp modSp mod">
-        <pc:chgData name="Trong Tinh Vo" userId="f698301ebf0935c2" providerId="LiveId" clId="{2920C6CB-92AD-4823-B353-AE4B390FA851}" dt="2022-04-14T01:14:11.050" v="793"/>
+      <pc:sldChg chg="addSp delSp modSp modTransition modAnim">
+        <pc:chgData name="Trong Tinh Vo" userId="f698301ebf0935c2" providerId="LiveId" clId="{2920C6CB-92AD-4823-B353-AE4B390FA851}" dt="2022-04-14T02:28:25.701" v="804"/>
+        <pc:sldMkLst>
+          <pc:docMk/>
+          <pc:sldMk cId="0" sldId="262"/>
+        </pc:sldMkLst>
+        <pc:picChg chg="add del mod">
+          <ac:chgData name="Trong Tinh Vo" userId="f698301ebf0935c2" providerId="LiveId" clId="{2920C6CB-92AD-4823-B353-AE4B390FA851}" dt="2022-04-14T02:25:36.711" v="802"/>
+          <ac:picMkLst>
+            <pc:docMk/>
+            <pc:sldMk cId="0" sldId="262"/>
+            <ac:picMk id="10" creationId="{5614E21E-50EE-4F40-B1F3-99CA047CFE6D}"/>
+          </ac:picMkLst>
+        </pc:picChg>
+        <pc:picChg chg="add del mod">
+          <ac:chgData name="Trong Tinh Vo" userId="f698301ebf0935c2" providerId="LiveId" clId="{2920C6CB-92AD-4823-B353-AE4B390FA851}" dt="2022-04-14T02:28:25.701" v="804"/>
+          <ac:picMkLst>
+            <pc:docMk/>
+            <pc:sldMk cId="0" sldId="262"/>
+            <ac:picMk id="11" creationId="{E002D0C6-06A6-4DC5-8824-487E0F637AE7}"/>
+          </ac:picMkLst>
+        </pc:picChg>
+      </pc:sldChg>
+      <pc:sldChg chg="addSp delSp modSp mod modTransition">
+        <pc:chgData name="Trong Tinh Vo" userId="f698301ebf0935c2" providerId="LiveId" clId="{2920C6CB-92AD-4823-B353-AE4B390FA851}" dt="2022-04-14T02:28:25.701" v="804"/>
         <pc:sldMkLst>
           <pc:docMk/>
           <pc:sldMk cId="0" sldId="263"/>
@@ -323,8 +429,8 @@
           </ac:grpSpMkLst>
         </pc:grpChg>
       </pc:sldChg>
-      <pc:sldChg chg="modSp mod">
-        <pc:chgData name="Trong Tinh Vo" userId="f698301ebf0935c2" providerId="LiveId" clId="{2920C6CB-92AD-4823-B353-AE4B390FA851}" dt="2022-04-06T13:24:51.470" v="64" actId="207"/>
+      <pc:sldChg chg="modSp mod modTransition">
+        <pc:chgData name="Trong Tinh Vo" userId="f698301ebf0935c2" providerId="LiveId" clId="{2920C6CB-92AD-4823-B353-AE4B390FA851}" dt="2022-04-14T02:28:25.701" v="804"/>
         <pc:sldMkLst>
           <pc:docMk/>
           <pc:sldMk cId="0" sldId="264"/>
@@ -338,8 +444,15 @@
           </ac:spMkLst>
         </pc:spChg>
       </pc:sldChg>
-      <pc:sldChg chg="modSp mod">
-        <pc:chgData name="Trong Tinh Vo" userId="f698301ebf0935c2" providerId="LiveId" clId="{2920C6CB-92AD-4823-B353-AE4B390FA851}" dt="2022-04-06T13:11:10.936" v="61" actId="20577"/>
+      <pc:sldChg chg="modTransition">
+        <pc:chgData name="Trong Tinh Vo" userId="f698301ebf0935c2" providerId="LiveId" clId="{2920C6CB-92AD-4823-B353-AE4B390FA851}" dt="2022-04-14T02:28:25.701" v="804"/>
+        <pc:sldMkLst>
+          <pc:docMk/>
+          <pc:sldMk cId="0" sldId="265"/>
+        </pc:sldMkLst>
+      </pc:sldChg>
+      <pc:sldChg chg="modSp mod modTransition">
+        <pc:chgData name="Trong Tinh Vo" userId="f698301ebf0935c2" providerId="LiveId" clId="{2920C6CB-92AD-4823-B353-AE4B390FA851}" dt="2022-04-14T02:28:25.701" v="804"/>
         <pc:sldMkLst>
           <pc:docMk/>
           <pc:sldMk cId="0" sldId="266"/>
@@ -352,6 +465,13 @@
             <ac:spMk id="12" creationId="{00000000-0000-0000-0000-000000000000}"/>
           </ac:spMkLst>
         </pc:spChg>
+      </pc:sldChg>
+      <pc:sldChg chg="modTransition">
+        <pc:chgData name="Trong Tinh Vo" userId="f698301ebf0935c2" providerId="LiveId" clId="{2920C6CB-92AD-4823-B353-AE4B390FA851}" dt="2022-04-14T02:28:25.701" v="804"/>
+        <pc:sldMkLst>
+          <pc:docMk/>
+          <pc:sldMk cId="0" sldId="267"/>
+        </pc:sldMkLst>
       </pc:sldChg>
     </pc:docChg>
   </pc:docChgLst>

--- a/Documents/Lab8/N7_Abstract_class.pptx
+++ b/Documents/Lab8/N7_Abstract_class.pptx
@@ -4,6 +4,9 @@
   <p:sldMasterIdLst>
     <p:sldMasterId id="2147483648" r:id="rId1"/>
   </p:sldMasterIdLst>
+  <p:notesMasterIdLst>
+    <p:notesMasterId r:id="rId14"/>
+  </p:notesMasterIdLst>
   <p:sldIdLst>
     <p:sldId id="256" r:id="rId2"/>
     <p:sldId id="257" r:id="rId3"/>
@@ -23,23 +26,23 @@
   <p:embeddedFontLst>
     <p:embeddedFont>
       <p:font typeface="Calibri" panose="020F0502020204030204" pitchFamily="34" charset="0"/>
-      <p:regular r:id="rId14"/>
-      <p:bold r:id="rId15"/>
-      <p:italic r:id="rId16"/>
-      <p:boldItalic r:id="rId17"/>
+      <p:regular r:id="rId15"/>
+      <p:bold r:id="rId16"/>
+      <p:italic r:id="rId17"/>
+      <p:boldItalic r:id="rId18"/>
     </p:embeddedFont>
     <p:embeddedFont>
       <p:font typeface="Josefin Sans Bold" pitchFamily="2" charset="0"/>
-      <p:regular r:id="rId18"/>
-      <p:boldItalic r:id="rId19"/>
+      <p:regular r:id="rId19"/>
+      <p:boldItalic r:id="rId20"/>
     </p:embeddedFont>
     <p:embeddedFont>
       <p:font typeface="Josefin Sans Regular" panose="020B0604020202020204" charset="0"/>
-      <p:regular r:id="rId20"/>
+      <p:regular r:id="rId21"/>
     </p:embeddedFont>
     <p:embeddedFont>
       <p:font typeface="Josefin Sans Regular Bold" panose="020B0604020202020204" charset="0"/>
-      <p:regular r:id="rId21"/>
+      <p:regular r:id="rId22"/>
     </p:embeddedFont>
   </p:embeddedFontLst>
   <p:defaultTextStyle>
@@ -159,7 +162,7 @@
 <file path=ppt/revisionInfo.xml><?xml version="1.0" encoding="utf-8"?>
 <p1510:revInfo xmlns:a="http://schemas.openxmlformats.org/drawingml/2006/main" xmlns:r="http://schemas.openxmlformats.org/officeDocument/2006/relationships" xmlns:p1510="http://schemas.microsoft.com/office/powerpoint/2015/10/main">
   <p1510:revLst>
-    <p1510:client id="{2920C6CB-92AD-4823-B353-AE4B390FA851}" v="15" dt="2022-04-14T02:28:25.701"/>
+    <p1510:client id="{2920C6CB-92AD-4823-B353-AE4B390FA851}" v="19" dt="2022-04-21T01:11:16.150"/>
   </p1510:revLst>
 </p1510:revInfo>
 </file>
@@ -169,7 +172,7 @@
   <pc:docChgLst>
     <pc:chgData name="Trong Tinh Vo" userId="f698301ebf0935c2" providerId="LiveId" clId="{2920C6CB-92AD-4823-B353-AE4B390FA851}"/>
     <pc:docChg chg="undo custSel modSld">
-      <pc:chgData name="Trong Tinh Vo" userId="f698301ebf0935c2" providerId="LiveId" clId="{2920C6CB-92AD-4823-B353-AE4B390FA851}" dt="2022-04-14T02:28:25.701" v="804"/>
+      <pc:chgData name="Trong Tinh Vo" userId="f698301ebf0935c2" providerId="LiveId" clId="{2920C6CB-92AD-4823-B353-AE4B390FA851}" dt="2022-04-21T01:24:30.912" v="1187" actId="1076"/>
       <pc:docMkLst>
         <pc:docMk/>
       </pc:docMkLst>
@@ -249,7 +252,7 @@
         </pc:sldMkLst>
       </pc:sldChg>
       <pc:sldChg chg="addSp delSp modSp mod modTransition modAnim">
-        <pc:chgData name="Trong Tinh Vo" userId="f698301ebf0935c2" providerId="LiveId" clId="{2920C6CB-92AD-4823-B353-AE4B390FA851}" dt="2022-04-14T02:28:25.701" v="804"/>
+        <pc:chgData name="Trong Tinh Vo" userId="f698301ebf0935c2" providerId="LiveId" clId="{2920C6CB-92AD-4823-B353-AE4B390FA851}" dt="2022-04-21T01:24:30.912" v="1187" actId="1076"/>
         <pc:sldMkLst>
           <pc:docMk/>
           <pc:sldMk cId="0" sldId="261"/>
@@ -271,7 +274,7 @@
           </ac:spMkLst>
         </pc:spChg>
         <pc:spChg chg="mod">
-          <ac:chgData name="Trong Tinh Vo" userId="f698301ebf0935c2" providerId="LiveId" clId="{2920C6CB-92AD-4823-B353-AE4B390FA851}" dt="2022-04-14T01:08:02.237" v="145" actId="1076"/>
+          <ac:chgData name="Trong Tinh Vo" userId="f698301ebf0935c2" providerId="LiveId" clId="{2920C6CB-92AD-4823-B353-AE4B390FA851}" dt="2022-04-21T01:05:38.323" v="870" actId="1035"/>
           <ac:spMkLst>
             <pc:docMk/>
             <pc:sldMk cId="0" sldId="261"/>
@@ -287,7 +290,7 @@
           </ac:spMkLst>
         </pc:spChg>
         <pc:spChg chg="mod">
-          <ac:chgData name="Trong Tinh Vo" userId="f698301ebf0935c2" providerId="LiveId" clId="{2920C6CB-92AD-4823-B353-AE4B390FA851}" dt="2022-04-14T01:07:53.797" v="144" actId="1038"/>
+          <ac:chgData name="Trong Tinh Vo" userId="f698301ebf0935c2" providerId="LiveId" clId="{2920C6CB-92AD-4823-B353-AE4B390FA851}" dt="2022-04-21T01:05:32.656" v="868" actId="1076"/>
           <ac:spMkLst>
             <pc:docMk/>
             <pc:sldMk cId="0" sldId="261"/>
@@ -295,7 +298,7 @@
           </ac:spMkLst>
         </pc:spChg>
         <pc:spChg chg="mod">
-          <ac:chgData name="Trong Tinh Vo" userId="f698301ebf0935c2" providerId="LiveId" clId="{2920C6CB-92AD-4823-B353-AE4B390FA851}" dt="2022-04-14T01:07:53.797" v="144" actId="1038"/>
+          <ac:chgData name="Trong Tinh Vo" userId="f698301ebf0935c2" providerId="LiveId" clId="{2920C6CB-92AD-4823-B353-AE4B390FA851}" dt="2022-04-21T01:06:03.874" v="924" actId="20577"/>
           <ac:spMkLst>
             <pc:docMk/>
             <pc:sldMk cId="0" sldId="261"/>
@@ -303,7 +306,7 @@
           </ac:spMkLst>
         </pc:spChg>
         <pc:spChg chg="add mod">
-          <ac:chgData name="Trong Tinh Vo" userId="f698301ebf0935c2" providerId="LiveId" clId="{2920C6CB-92AD-4823-B353-AE4B390FA851}" dt="2022-04-14T01:11:19.620" v="513" actId="255"/>
+          <ac:chgData name="Trong Tinh Vo" userId="f698301ebf0935c2" providerId="LiveId" clId="{2920C6CB-92AD-4823-B353-AE4B390FA851}" dt="2022-04-21T01:24:24.912" v="1186" actId="1076"/>
           <ac:spMkLst>
             <pc:docMk/>
             <pc:sldMk cId="0" sldId="261"/>
@@ -319,7 +322,7 @@
           </ac:spMkLst>
         </pc:spChg>
         <pc:spChg chg="add mod">
-          <ac:chgData name="Trong Tinh Vo" userId="f698301ebf0935c2" providerId="LiveId" clId="{2920C6CB-92AD-4823-B353-AE4B390FA851}" dt="2022-04-14T01:12:16.957" v="644" actId="20577"/>
+          <ac:chgData name="Trong Tinh Vo" userId="f698301ebf0935c2" providerId="LiveId" clId="{2920C6CB-92AD-4823-B353-AE4B390FA851}" dt="2022-04-21T01:24:21.995" v="1185" actId="1076"/>
           <ac:spMkLst>
             <pc:docMk/>
             <pc:sldMk cId="0" sldId="261"/>
@@ -327,7 +330,7 @@
           </ac:spMkLst>
         </pc:spChg>
         <pc:spChg chg="add mod">
-          <ac:chgData name="Trong Tinh Vo" userId="f698301ebf0935c2" providerId="LiveId" clId="{2920C6CB-92AD-4823-B353-AE4B390FA851}" dt="2022-04-14T01:13:23.338" v="791" actId="20577"/>
+          <ac:chgData name="Trong Tinh Vo" userId="f698301ebf0935c2" providerId="LiveId" clId="{2920C6CB-92AD-4823-B353-AE4B390FA851}" dt="2022-04-21T01:24:30.912" v="1187" actId="1076"/>
           <ac:spMkLst>
             <pc:docMk/>
             <pc:sldMk cId="0" sldId="261"/>
@@ -430,13 +433,13 @@
         </pc:grpChg>
       </pc:sldChg>
       <pc:sldChg chg="modSp mod modTransition">
-        <pc:chgData name="Trong Tinh Vo" userId="f698301ebf0935c2" providerId="LiveId" clId="{2920C6CB-92AD-4823-B353-AE4B390FA851}" dt="2022-04-14T02:28:25.701" v="804"/>
+        <pc:chgData name="Trong Tinh Vo" userId="f698301ebf0935c2" providerId="LiveId" clId="{2920C6CB-92AD-4823-B353-AE4B390FA851}" dt="2022-04-21T00:01:22.469" v="838" actId="20577"/>
         <pc:sldMkLst>
           <pc:docMk/>
           <pc:sldMk cId="0" sldId="264"/>
         </pc:sldMkLst>
         <pc:spChg chg="mod">
-          <ac:chgData name="Trong Tinh Vo" userId="f698301ebf0935c2" providerId="LiveId" clId="{2920C6CB-92AD-4823-B353-AE4B390FA851}" dt="2022-04-06T13:24:51.470" v="64" actId="207"/>
+          <ac:chgData name="Trong Tinh Vo" userId="f698301ebf0935c2" providerId="LiveId" clId="{2920C6CB-92AD-4823-B353-AE4B390FA851}" dt="2022-04-21T00:01:22.469" v="838" actId="20577"/>
           <ac:spMkLst>
             <pc:docMk/>
             <pc:sldMk cId="0" sldId="264"/>
@@ -478,6 +481,439 @@
 </pc:chgInfo>
 </file>
 
+<file path=ppt/notesMasters/notesMaster1.xml><?xml version="1.0" encoding="utf-8"?>
+<p:notesMaster xmlns:a="http://schemas.openxmlformats.org/drawingml/2006/main" xmlns:r="http://schemas.openxmlformats.org/officeDocument/2006/relationships" xmlns:p="http://schemas.openxmlformats.org/presentationml/2006/main">
+  <p:cSld>
+    <p:bg>
+      <p:bgRef idx="1001">
+        <a:schemeClr val="bg1"/>
+      </p:bgRef>
+    </p:bg>
+    <p:spTree>
+      <p:nvGrpSpPr>
+        <p:cNvPr id="1" name=""/>
+        <p:cNvGrpSpPr/>
+        <p:nvPr/>
+      </p:nvGrpSpPr>
+      <p:grpSpPr>
+        <a:xfrm>
+          <a:off x="0" y="0"/>
+          <a:ext cx="0" cy="0"/>
+          <a:chOff x="0" y="0"/>
+          <a:chExt cx="0" cy="0"/>
+        </a:xfrm>
+      </p:grpSpPr>
+      <p:sp>
+        <p:nvSpPr>
+          <p:cNvPr id="2" name="Header Placeholder 1"/>
+          <p:cNvSpPr>
+            <a:spLocks noGrp="1"/>
+          </p:cNvSpPr>
+          <p:nvPr>
+            <p:ph type="hdr" sz="quarter"/>
+          </p:nvPr>
+        </p:nvSpPr>
+        <p:spPr>
+          <a:xfrm>
+            <a:off x="0" y="0"/>
+            <a:ext cx="2971800" cy="458788"/>
+          </a:xfrm>
+          <a:prstGeom prst="rect">
+            <a:avLst/>
+          </a:prstGeom>
+        </p:spPr>
+        <p:txBody>
+          <a:bodyPr vert="horz" lIns="91440" tIns="45720" rIns="91440" bIns="45720" rtlCol="0"/>
+          <a:lstStyle>
+            <a:lvl1pPr algn="l">
+              <a:defRPr sz="1200"/>
+            </a:lvl1pPr>
+          </a:lstStyle>
+          <a:p>
+            <a:endParaRPr lang="en-US"/>
+          </a:p>
+        </p:txBody>
+      </p:sp>
+      <p:sp>
+        <p:nvSpPr>
+          <p:cNvPr id="3" name="Date Placeholder 2"/>
+          <p:cNvSpPr>
+            <a:spLocks noGrp="1"/>
+          </p:cNvSpPr>
+          <p:nvPr>
+            <p:ph type="dt" idx="1"/>
+          </p:nvPr>
+        </p:nvSpPr>
+        <p:spPr>
+          <a:xfrm>
+            <a:off x="3884613" y="0"/>
+            <a:ext cx="2971800" cy="458788"/>
+          </a:xfrm>
+          <a:prstGeom prst="rect">
+            <a:avLst/>
+          </a:prstGeom>
+        </p:spPr>
+        <p:txBody>
+          <a:bodyPr vert="horz" lIns="91440" tIns="45720" rIns="91440" bIns="45720" rtlCol="0"/>
+          <a:lstStyle>
+            <a:lvl1pPr algn="r">
+              <a:defRPr sz="1200"/>
+            </a:lvl1pPr>
+          </a:lstStyle>
+          <a:p>
+            <a:fld id="{3069C16B-9347-43EA-9591-DE4A8169D361}" type="datetimeFigureOut">
+              <a:rPr lang="en-US" smtClean="0"/>
+              <a:t>4/21/2022</a:t>
+            </a:fld>
+            <a:endParaRPr lang="en-US"/>
+          </a:p>
+        </p:txBody>
+      </p:sp>
+      <p:sp>
+        <p:nvSpPr>
+          <p:cNvPr id="4" name="Slide Image Placeholder 3"/>
+          <p:cNvSpPr>
+            <a:spLocks noGrp="1" noRot="1" noChangeAspect="1"/>
+          </p:cNvSpPr>
+          <p:nvPr>
+            <p:ph type="sldImg" idx="2"/>
+          </p:nvPr>
+        </p:nvSpPr>
+        <p:spPr>
+          <a:xfrm>
+            <a:off x="685800" y="1143000"/>
+            <a:ext cx="5486400" cy="3086100"/>
+          </a:xfrm>
+          <a:prstGeom prst="rect">
+            <a:avLst/>
+          </a:prstGeom>
+          <a:noFill/>
+          <a:ln w="12700">
+            <a:solidFill>
+              <a:prstClr val="black"/>
+            </a:solidFill>
+          </a:ln>
+        </p:spPr>
+        <p:txBody>
+          <a:bodyPr vert="horz" lIns="91440" tIns="45720" rIns="91440" bIns="45720" rtlCol="0" anchor="ctr"/>
+          <a:lstStyle/>
+          <a:p>
+            <a:endParaRPr lang="en-US"/>
+          </a:p>
+        </p:txBody>
+      </p:sp>
+      <p:sp>
+        <p:nvSpPr>
+          <p:cNvPr id="5" name="Notes Placeholder 4"/>
+          <p:cNvSpPr>
+            <a:spLocks noGrp="1"/>
+          </p:cNvSpPr>
+          <p:nvPr>
+            <p:ph type="body" sz="quarter" idx="3"/>
+          </p:nvPr>
+        </p:nvSpPr>
+        <p:spPr>
+          <a:xfrm>
+            <a:off x="685800" y="4400550"/>
+            <a:ext cx="5486400" cy="3600450"/>
+          </a:xfrm>
+          <a:prstGeom prst="rect">
+            <a:avLst/>
+          </a:prstGeom>
+        </p:spPr>
+        <p:txBody>
+          <a:bodyPr vert="horz" lIns="91440" tIns="45720" rIns="91440" bIns="45720" rtlCol="0"/>
+          <a:lstStyle/>
+          <a:p>
+            <a:pPr lvl="0"/>
+            <a:r>
+              <a:rPr lang="en-US"/>
+              <a:t>Click to edit Master text styles</a:t>
+            </a:r>
+          </a:p>
+          <a:p>
+            <a:pPr lvl="1"/>
+            <a:r>
+              <a:rPr lang="en-US"/>
+              <a:t>Second level</a:t>
+            </a:r>
+          </a:p>
+          <a:p>
+            <a:pPr lvl="2"/>
+            <a:r>
+              <a:rPr lang="en-US"/>
+              <a:t>Third level</a:t>
+            </a:r>
+          </a:p>
+          <a:p>
+            <a:pPr lvl="3"/>
+            <a:r>
+              <a:rPr lang="en-US"/>
+              <a:t>Fourth level</a:t>
+            </a:r>
+          </a:p>
+          <a:p>
+            <a:pPr lvl="4"/>
+            <a:r>
+              <a:rPr lang="en-US"/>
+              <a:t>Fifth level</a:t>
+            </a:r>
+          </a:p>
+        </p:txBody>
+      </p:sp>
+      <p:sp>
+        <p:nvSpPr>
+          <p:cNvPr id="6" name="Footer Placeholder 5"/>
+          <p:cNvSpPr>
+            <a:spLocks noGrp="1"/>
+          </p:cNvSpPr>
+          <p:nvPr>
+            <p:ph type="ftr" sz="quarter" idx="4"/>
+          </p:nvPr>
+        </p:nvSpPr>
+        <p:spPr>
+          <a:xfrm>
+            <a:off x="0" y="8685213"/>
+            <a:ext cx="2971800" cy="458787"/>
+          </a:xfrm>
+          <a:prstGeom prst="rect">
+            <a:avLst/>
+          </a:prstGeom>
+        </p:spPr>
+        <p:txBody>
+          <a:bodyPr vert="horz" lIns="91440" tIns="45720" rIns="91440" bIns="45720" rtlCol="0" anchor="b"/>
+          <a:lstStyle>
+            <a:lvl1pPr algn="l">
+              <a:defRPr sz="1200"/>
+            </a:lvl1pPr>
+          </a:lstStyle>
+          <a:p>
+            <a:endParaRPr lang="en-US"/>
+          </a:p>
+        </p:txBody>
+      </p:sp>
+      <p:sp>
+        <p:nvSpPr>
+          <p:cNvPr id="7" name="Slide Number Placeholder 6"/>
+          <p:cNvSpPr>
+            <a:spLocks noGrp="1"/>
+          </p:cNvSpPr>
+          <p:nvPr>
+            <p:ph type="sldNum" sz="quarter" idx="5"/>
+          </p:nvPr>
+        </p:nvSpPr>
+        <p:spPr>
+          <a:xfrm>
+            <a:off x="3884613" y="8685213"/>
+            <a:ext cx="2971800" cy="458787"/>
+          </a:xfrm>
+          <a:prstGeom prst="rect">
+            <a:avLst/>
+          </a:prstGeom>
+        </p:spPr>
+        <p:txBody>
+          <a:bodyPr vert="horz" lIns="91440" tIns="45720" rIns="91440" bIns="45720" rtlCol="0" anchor="b"/>
+          <a:lstStyle>
+            <a:lvl1pPr algn="r">
+              <a:defRPr sz="1200"/>
+            </a:lvl1pPr>
+          </a:lstStyle>
+          <a:p>
+            <a:fld id="{0F01AC83-5541-44B9-93BE-16220206C8A7}" type="slidenum">
+              <a:rPr lang="en-US" smtClean="0"/>
+              <a:t>‹#›</a:t>
+            </a:fld>
+            <a:endParaRPr lang="en-US"/>
+          </a:p>
+        </p:txBody>
+      </p:sp>
+    </p:spTree>
+    <p:extLst>
+      <p:ext uri="{BB962C8B-B14F-4D97-AF65-F5344CB8AC3E}">
+        <p14:creationId xmlns:p14="http://schemas.microsoft.com/office/powerpoint/2010/main" val="4093804970"/>
+      </p:ext>
+    </p:extLst>
+  </p:cSld>
+  <p:clrMap bg1="lt1" tx1="dk1" bg2="lt2" tx2="dk2" accent1="accent1" accent2="accent2" accent3="accent3" accent4="accent4" accent5="accent5" accent6="accent6" hlink="hlink" folHlink="folHlink"/>
+  <p:notesStyle>
+    <a:lvl1pPr marL="0" algn="l" defTabSz="914400" rtl="0" eaLnBrk="1" latinLnBrk="0" hangingPunct="1">
+      <a:defRPr sz="1200" kern="1200">
+        <a:solidFill>
+          <a:schemeClr val="tx1"/>
+        </a:solidFill>
+        <a:latin typeface="+mn-lt"/>
+        <a:ea typeface="+mn-ea"/>
+        <a:cs typeface="+mn-cs"/>
+      </a:defRPr>
+    </a:lvl1pPr>
+    <a:lvl2pPr marL="457200" algn="l" defTabSz="914400" rtl="0" eaLnBrk="1" latinLnBrk="0" hangingPunct="1">
+      <a:defRPr sz="1200" kern="1200">
+        <a:solidFill>
+          <a:schemeClr val="tx1"/>
+        </a:solidFill>
+        <a:latin typeface="+mn-lt"/>
+        <a:ea typeface="+mn-ea"/>
+        <a:cs typeface="+mn-cs"/>
+      </a:defRPr>
+    </a:lvl2pPr>
+    <a:lvl3pPr marL="914400" algn="l" defTabSz="914400" rtl="0" eaLnBrk="1" latinLnBrk="0" hangingPunct="1">
+      <a:defRPr sz="1200" kern="1200">
+        <a:solidFill>
+          <a:schemeClr val="tx1"/>
+        </a:solidFill>
+        <a:latin typeface="+mn-lt"/>
+        <a:ea typeface="+mn-ea"/>
+        <a:cs typeface="+mn-cs"/>
+      </a:defRPr>
+    </a:lvl3pPr>
+    <a:lvl4pPr marL="1371600" algn="l" defTabSz="914400" rtl="0" eaLnBrk="1" latinLnBrk="0" hangingPunct="1">
+      <a:defRPr sz="1200" kern="1200">
+        <a:solidFill>
+          <a:schemeClr val="tx1"/>
+        </a:solidFill>
+        <a:latin typeface="+mn-lt"/>
+        <a:ea typeface="+mn-ea"/>
+        <a:cs typeface="+mn-cs"/>
+      </a:defRPr>
+    </a:lvl4pPr>
+    <a:lvl5pPr marL="1828800" algn="l" defTabSz="914400" rtl="0" eaLnBrk="1" latinLnBrk="0" hangingPunct="1">
+      <a:defRPr sz="1200" kern="1200">
+        <a:solidFill>
+          <a:schemeClr val="tx1"/>
+        </a:solidFill>
+        <a:latin typeface="+mn-lt"/>
+        <a:ea typeface="+mn-ea"/>
+        <a:cs typeface="+mn-cs"/>
+      </a:defRPr>
+    </a:lvl5pPr>
+    <a:lvl6pPr marL="2286000" algn="l" defTabSz="914400" rtl="0" eaLnBrk="1" latinLnBrk="0" hangingPunct="1">
+      <a:defRPr sz="1200" kern="1200">
+        <a:solidFill>
+          <a:schemeClr val="tx1"/>
+        </a:solidFill>
+        <a:latin typeface="+mn-lt"/>
+        <a:ea typeface="+mn-ea"/>
+        <a:cs typeface="+mn-cs"/>
+      </a:defRPr>
+    </a:lvl6pPr>
+    <a:lvl7pPr marL="2743200" algn="l" defTabSz="914400" rtl="0" eaLnBrk="1" latinLnBrk="0" hangingPunct="1">
+      <a:defRPr sz="1200" kern="1200">
+        <a:solidFill>
+          <a:schemeClr val="tx1"/>
+        </a:solidFill>
+        <a:latin typeface="+mn-lt"/>
+        <a:ea typeface="+mn-ea"/>
+        <a:cs typeface="+mn-cs"/>
+      </a:defRPr>
+    </a:lvl7pPr>
+    <a:lvl8pPr marL="3200400" algn="l" defTabSz="914400" rtl="0" eaLnBrk="1" latinLnBrk="0" hangingPunct="1">
+      <a:defRPr sz="1200" kern="1200">
+        <a:solidFill>
+          <a:schemeClr val="tx1"/>
+        </a:solidFill>
+        <a:latin typeface="+mn-lt"/>
+        <a:ea typeface="+mn-ea"/>
+        <a:cs typeface="+mn-cs"/>
+      </a:defRPr>
+    </a:lvl8pPr>
+    <a:lvl9pPr marL="3657600" algn="l" defTabSz="914400" rtl="0" eaLnBrk="1" latinLnBrk="0" hangingPunct="1">
+      <a:defRPr sz="1200" kern="1200">
+        <a:solidFill>
+          <a:schemeClr val="tx1"/>
+        </a:solidFill>
+        <a:latin typeface="+mn-lt"/>
+        <a:ea typeface="+mn-ea"/>
+        <a:cs typeface="+mn-cs"/>
+      </a:defRPr>
+    </a:lvl9pPr>
+  </p:notesStyle>
+</p:notesMaster>
+</file>
+
+<file path=ppt/notesSlides/notesSlide1.xml><?xml version="1.0" encoding="utf-8"?>
+<p:notes xmlns:a="http://schemas.openxmlformats.org/drawingml/2006/main" xmlns:r="http://schemas.openxmlformats.org/officeDocument/2006/relationships" xmlns:p="http://schemas.openxmlformats.org/presentationml/2006/main">
+  <p:cSld>
+    <p:spTree>
+      <p:nvGrpSpPr>
+        <p:cNvPr id="1" name=""/>
+        <p:cNvGrpSpPr/>
+        <p:nvPr/>
+      </p:nvGrpSpPr>
+      <p:grpSpPr>
+        <a:xfrm>
+          <a:off x="0" y="0"/>
+          <a:ext cx="0" cy="0"/>
+          <a:chOff x="0" y="0"/>
+          <a:chExt cx="0" cy="0"/>
+        </a:xfrm>
+      </p:grpSpPr>
+      <p:sp>
+        <p:nvSpPr>
+          <p:cNvPr id="2" name="Slide Image Placeholder 1"/>
+          <p:cNvSpPr>
+            <a:spLocks noGrp="1" noRot="1" noChangeAspect="1"/>
+          </p:cNvSpPr>
+          <p:nvPr>
+            <p:ph type="sldImg"/>
+          </p:nvPr>
+        </p:nvSpPr>
+        <p:spPr/>
+      </p:sp>
+      <p:sp>
+        <p:nvSpPr>
+          <p:cNvPr id="3" name="Notes Placeholder 2"/>
+          <p:cNvSpPr>
+            <a:spLocks noGrp="1"/>
+          </p:cNvSpPr>
+          <p:nvPr>
+            <p:ph type="body" idx="1"/>
+          </p:nvPr>
+        </p:nvSpPr>
+        <p:spPr/>
+        <p:txBody>
+          <a:bodyPr/>
+          <a:lstStyle/>
+          <a:p>
+            <a:endParaRPr lang="en-US" dirty="0"/>
+          </a:p>
+        </p:txBody>
+      </p:sp>
+      <p:sp>
+        <p:nvSpPr>
+          <p:cNvPr id="4" name="Slide Number Placeholder 3"/>
+          <p:cNvSpPr>
+            <a:spLocks noGrp="1"/>
+          </p:cNvSpPr>
+          <p:nvPr>
+            <p:ph type="sldNum" sz="quarter" idx="5"/>
+          </p:nvPr>
+        </p:nvSpPr>
+        <p:spPr/>
+        <p:txBody>
+          <a:bodyPr/>
+          <a:lstStyle/>
+          <a:p>
+            <a:fld id="{0F01AC83-5541-44B9-93BE-16220206C8A7}" type="slidenum">
+              <a:rPr lang="en-US" smtClean="0"/>
+              <a:t>1</a:t>
+            </a:fld>
+            <a:endParaRPr lang="en-US"/>
+          </a:p>
+        </p:txBody>
+      </p:sp>
+    </p:spTree>
+    <p:extLst>
+      <p:ext uri="{BB962C8B-B14F-4D97-AF65-F5344CB8AC3E}">
+        <p14:creationId xmlns:p14="http://schemas.microsoft.com/office/powerpoint/2010/main" val="2746985186"/>
+      </p:ext>
+    </p:extLst>
+  </p:cSld>
+  <p:clrMapOvr>
+    <a:masterClrMapping/>
+  </p:clrMapOvr>
+</p:notes>
+</file>
+
 <file path=ppt/slideLayouts/slideLayout1.xml><?xml version="1.0" encoding="utf-8"?>
 <p:sldLayout xmlns:a="http://schemas.openxmlformats.org/drawingml/2006/main" xmlns:r="http://schemas.openxmlformats.org/officeDocument/2006/relationships" xmlns:p="http://schemas.openxmlformats.org/presentationml/2006/main" type="title" preserve="1">
   <p:cSld name="Title Slide">
@@ -658,7 +1094,7 @@
             <a:fld id="{1D8BD707-D9CF-40AE-B4C6-C98DA3205C09}" type="datetimeFigureOut">
               <a:rPr lang="en-US" smtClean="0"/>
               <a:pPr/>
-              <a:t>4/14/2022</a:t>
+              <a:t>4/21/2022</a:t>
             </a:fld>
             <a:endParaRPr lang="en-US"/>
           </a:p>
@@ -823,7 +1259,7 @@
             <a:fld id="{1D8BD707-D9CF-40AE-B4C6-C98DA3205C09}" type="datetimeFigureOut">
               <a:rPr lang="en-US" smtClean="0"/>
               <a:pPr/>
-              <a:t>4/14/2022</a:t>
+              <a:t>4/21/2022</a:t>
             </a:fld>
             <a:endParaRPr lang="en-US"/>
           </a:p>
@@ -998,7 +1434,7 @@
             <a:fld id="{1D8BD707-D9CF-40AE-B4C6-C98DA3205C09}" type="datetimeFigureOut">
               <a:rPr lang="en-US" smtClean="0"/>
               <a:pPr/>
-              <a:t>4/14/2022</a:t>
+              <a:t>4/21/2022</a:t>
             </a:fld>
             <a:endParaRPr lang="en-US"/>
           </a:p>
@@ -1163,7 +1599,7 @@
             <a:fld id="{1D8BD707-D9CF-40AE-B4C6-C98DA3205C09}" type="datetimeFigureOut">
               <a:rPr lang="en-US" smtClean="0"/>
               <a:pPr/>
-              <a:t>4/14/2022</a:t>
+              <a:t>4/21/2022</a:t>
             </a:fld>
             <a:endParaRPr lang="en-US"/>
           </a:p>
@@ -1405,7 +1841,7 @@
             <a:fld id="{1D8BD707-D9CF-40AE-B4C6-C98DA3205C09}" type="datetimeFigureOut">
               <a:rPr lang="en-US" smtClean="0"/>
               <a:pPr/>
-              <a:t>4/14/2022</a:t>
+              <a:t>4/21/2022</a:t>
             </a:fld>
             <a:endParaRPr lang="en-US"/>
           </a:p>
@@ -1687,7 +2123,7 @@
             <a:fld id="{1D8BD707-D9CF-40AE-B4C6-C98DA3205C09}" type="datetimeFigureOut">
               <a:rPr lang="en-US" smtClean="0"/>
               <a:pPr/>
-              <a:t>4/14/2022</a:t>
+              <a:t>4/21/2022</a:t>
             </a:fld>
             <a:endParaRPr lang="en-US"/>
           </a:p>
@@ -2103,7 +2539,7 @@
             <a:fld id="{1D8BD707-D9CF-40AE-B4C6-C98DA3205C09}" type="datetimeFigureOut">
               <a:rPr lang="en-US" smtClean="0"/>
               <a:pPr/>
-              <a:t>4/14/2022</a:t>
+              <a:t>4/21/2022</a:t>
             </a:fld>
             <a:endParaRPr lang="en-US"/>
           </a:p>
@@ -2217,7 +2653,7 @@
             <a:fld id="{1D8BD707-D9CF-40AE-B4C6-C98DA3205C09}" type="datetimeFigureOut">
               <a:rPr lang="en-US" smtClean="0"/>
               <a:pPr/>
-              <a:t>4/14/2022</a:t>
+              <a:t>4/21/2022</a:t>
             </a:fld>
             <a:endParaRPr lang="en-US"/>
           </a:p>
@@ -2309,7 +2745,7 @@
             <a:fld id="{1D8BD707-D9CF-40AE-B4C6-C98DA3205C09}" type="datetimeFigureOut">
               <a:rPr lang="en-US" smtClean="0"/>
               <a:pPr/>
-              <a:t>4/14/2022</a:t>
+              <a:t>4/21/2022</a:t>
             </a:fld>
             <a:endParaRPr lang="en-US"/>
           </a:p>
@@ -2581,7 +3017,7 @@
             <a:fld id="{1D8BD707-D9CF-40AE-B4C6-C98DA3205C09}" type="datetimeFigureOut">
               <a:rPr lang="en-US" smtClean="0"/>
               <a:pPr/>
-              <a:t>4/14/2022</a:t>
+              <a:t>4/21/2022</a:t>
             </a:fld>
             <a:endParaRPr lang="en-US"/>
           </a:p>
@@ -2830,7 +3266,7 @@
             <a:fld id="{1D8BD707-D9CF-40AE-B4C6-C98DA3205C09}" type="datetimeFigureOut">
               <a:rPr lang="en-US" smtClean="0"/>
               <a:pPr/>
-              <a:t>4/14/2022</a:t>
+              <a:t>4/21/2022</a:t>
             </a:fld>
             <a:endParaRPr lang="en-US"/>
           </a:p>
@@ -3038,7 +3474,7 @@
             <a:fld id="{1D8BD707-D9CF-40AE-B4C6-C98DA3205C09}" type="datetimeFigureOut">
               <a:rPr lang="en-US" smtClean="0"/>
               <a:pPr/>
-              <a:t>4/14/2022</a:t>
+              <a:t>4/21/2022</a:t>
             </a:fld>
             <a:endParaRPr lang="en-US"/>
           </a:p>
@@ -3547,13 +3983,13 @@
           <p:nvPr/>
         </p:nvPicPr>
         <p:blipFill>
-          <a:blip r:embed="rId2">
+          <a:blip r:embed="rId3">
             <a:extLst>
               <a:ext uri="{28A0092B-C50C-407E-A947-70E740481C1C}">
                 <a14:useLocalDpi xmlns:a14="http://schemas.microsoft.com/office/drawing/2010/main" val="0"/>
               </a:ext>
               <a:ext uri="{96DAC541-7B7A-43D3-8B79-37D633B846F1}">
-                <asvg:svgBlip xmlns:asvg="http://schemas.microsoft.com/office/drawing/2016/SVG/main" r:embed="rId3"/>
+                <asvg:svgBlip xmlns:asvg="http://schemas.microsoft.com/office/drawing/2016/SVG/main" r:embed="rId4"/>
               </a:ext>
             </a:extLst>
           </a:blip>
@@ -3581,13 +4017,13 @@
           <p:nvPr/>
         </p:nvPicPr>
         <p:blipFill>
-          <a:blip r:embed="rId4">
+          <a:blip r:embed="rId5">
             <a:extLst>
               <a:ext uri="{28A0092B-C50C-407E-A947-70E740481C1C}">
                 <a14:useLocalDpi xmlns:a14="http://schemas.microsoft.com/office/drawing/2010/main" val="0"/>
               </a:ext>
               <a:ext uri="{96DAC541-7B7A-43D3-8B79-37D633B846F1}">
-                <asvg:svgBlip xmlns:asvg="http://schemas.microsoft.com/office/drawing/2016/SVG/main" r:embed="rId5"/>
+                <asvg:svgBlip xmlns:asvg="http://schemas.microsoft.com/office/drawing/2016/SVG/main" r:embed="rId6"/>
               </a:ext>
             </a:extLst>
           </a:blip>
@@ -3615,13 +4051,13 @@
           <p:nvPr/>
         </p:nvPicPr>
         <p:blipFill>
-          <a:blip r:embed="rId6">
+          <a:blip r:embed="rId7">
             <a:extLst>
               <a:ext uri="{28A0092B-C50C-407E-A947-70E740481C1C}">
                 <a14:useLocalDpi xmlns:a14="http://schemas.microsoft.com/office/drawing/2010/main" val="0"/>
               </a:ext>
               <a:ext uri="{96DAC541-7B7A-43D3-8B79-37D633B846F1}">
-                <asvg:svgBlip xmlns:asvg="http://schemas.microsoft.com/office/drawing/2016/SVG/main" r:embed="rId7"/>
+                <asvg:svgBlip xmlns:asvg="http://schemas.microsoft.com/office/drawing/2016/SVG/main" r:embed="rId8"/>
               </a:ext>
             </a:extLst>
           </a:blip>
@@ -3649,13 +4085,13 @@
           <p:nvPr/>
         </p:nvPicPr>
         <p:blipFill>
-          <a:blip r:embed="rId8">
+          <a:blip r:embed="rId9">
             <a:extLst>
               <a:ext uri="{28A0092B-C50C-407E-A947-70E740481C1C}">
                 <a14:useLocalDpi xmlns:a14="http://schemas.microsoft.com/office/drawing/2010/main" val="0"/>
               </a:ext>
               <a:ext uri="{96DAC541-7B7A-43D3-8B79-37D633B846F1}">
-                <asvg:svgBlip xmlns:asvg="http://schemas.microsoft.com/office/drawing/2016/SVG/main" r:embed="rId9"/>
+                <asvg:svgBlip xmlns:asvg="http://schemas.microsoft.com/office/drawing/2016/SVG/main" r:embed="rId10"/>
               </a:ext>
             </a:extLst>
           </a:blip>
@@ -3683,13 +4119,13 @@
           <p:nvPr/>
         </p:nvPicPr>
         <p:blipFill>
-          <a:blip r:embed="rId10">
+          <a:blip r:embed="rId11">
             <a:extLst>
               <a:ext uri="{28A0092B-C50C-407E-A947-70E740481C1C}">
                 <a14:useLocalDpi xmlns:a14="http://schemas.microsoft.com/office/drawing/2010/main" val="0"/>
               </a:ext>
               <a:ext uri="{96DAC541-7B7A-43D3-8B79-37D633B846F1}">
-                <asvg:svgBlip xmlns:asvg="http://schemas.microsoft.com/office/drawing/2016/SVG/main" r:embed="rId11"/>
+                <asvg:svgBlip xmlns:asvg="http://schemas.microsoft.com/office/drawing/2016/SVG/main" r:embed="rId12"/>
               </a:ext>
             </a:extLst>
           </a:blip>
@@ -3717,13 +4153,13 @@
           <p:nvPr/>
         </p:nvPicPr>
         <p:blipFill>
-          <a:blip r:embed="rId12">
+          <a:blip r:embed="rId13">
             <a:extLst>
               <a:ext uri="{28A0092B-C50C-407E-A947-70E740481C1C}">
                 <a14:useLocalDpi xmlns:a14="http://schemas.microsoft.com/office/drawing/2010/main" val="0"/>
               </a:ext>
               <a:ext uri="{96DAC541-7B7A-43D3-8B79-37D633B846F1}">
-                <asvg:svgBlip xmlns:asvg="http://schemas.microsoft.com/office/drawing/2016/SVG/main" r:embed="rId13"/>
+                <asvg:svgBlip xmlns:asvg="http://schemas.microsoft.com/office/drawing/2016/SVG/main" r:embed="rId14"/>
               </a:ext>
             </a:extLst>
           </a:blip>
@@ -6563,14 +6999,56 @@
                 </a:lnSpc>
               </a:pPr>
               <a:r>
-                <a:rPr lang="en-US" sz="8100" spc="-81">
+                <a:rPr lang="en-US" sz="8100" spc="-81" dirty="0" err="1">
                   <a:solidFill>
                     <a:srgbClr val="2B4B82"/>
                   </a:solidFill>
                   <a:latin typeface="Josefin Sans Bold"/>
                 </a:rPr>
-                <a:t>Ưu điểm của</a:t>
-              </a:r>
+                <a:t>Ưu</a:t>
+              </a:r>
+              <a:r>
+                <a:rPr lang="en-US" sz="8100" spc="-81" dirty="0">
+                  <a:solidFill>
+                    <a:srgbClr val="2B4B82"/>
+                  </a:solidFill>
+                  <a:latin typeface="Josefin Sans Bold"/>
+                </a:rPr>
+                <a:t> </a:t>
+              </a:r>
+              <a:r>
+                <a:rPr lang="en-US" sz="8100" spc="-81" dirty="0" err="1">
+                  <a:solidFill>
+                    <a:srgbClr val="2B4B82"/>
+                  </a:solidFill>
+                  <a:latin typeface="Josefin Sans Bold"/>
+                </a:rPr>
+                <a:t>điểm</a:t>
+              </a:r>
+              <a:r>
+                <a:rPr lang="en-US" sz="8100" spc="-81" dirty="0">
+                  <a:solidFill>
+                    <a:srgbClr val="2B4B82"/>
+                  </a:solidFill>
+                  <a:latin typeface="Josefin Sans Bold"/>
+                </a:rPr>
+                <a:t> </a:t>
+              </a:r>
+              <a:r>
+                <a:rPr lang="en-US" sz="8100" spc="-81" dirty="0" err="1">
+                  <a:solidFill>
+                    <a:srgbClr val="2B4B82"/>
+                  </a:solidFill>
+                  <a:latin typeface="Josefin Sans Bold"/>
+                </a:rPr>
+                <a:t>của</a:t>
+              </a:r>
+              <a:endParaRPr lang="en-US" sz="8100" spc="-81" dirty="0">
+                <a:solidFill>
+                  <a:srgbClr val="2B4B82"/>
+                </a:solidFill>
+                <a:latin typeface="Josefin Sans Bold"/>
+              </a:endParaRPr>
             </a:p>
             <a:p>
               <a:pPr>
@@ -6579,7 +7057,7 @@
                 </a:lnSpc>
               </a:pPr>
               <a:r>
-                <a:rPr lang="en-US" sz="8099" spc="-81">
+                <a:rPr lang="en-US" sz="8099" spc="-81" dirty="0">
                   <a:solidFill>
                     <a:srgbClr val="2B4B82"/>
                   </a:solidFill>
@@ -6671,7 +7149,7 @@
         </p:nvSpPr>
         <p:spPr>
           <a:xfrm>
-            <a:off x="737616" y="6134704"/>
+            <a:off x="1353939" y="6286500"/>
             <a:ext cx="6607543" cy="482824"/>
           </a:xfrm>
           <a:prstGeom prst="rect">
@@ -6773,67 +7251,13 @@
               <a:t> </a:t>
             </a:r>
             <a:r>
-              <a:rPr lang="en-US" sz="2800" dirty="0" err="1">
+              <a:rPr lang="vi-VN" sz="2800" dirty="0" err="1">
                 <a:solidFill>
                   <a:srgbClr val="2B4B82"/>
                 </a:solidFill>
                 <a:latin typeface="Josefin Sans Bold Bold"/>
               </a:rPr>
               <a:t>tạp</a:t>
-            </a:r>
-            <a:r>
-              <a:rPr lang="en-US" sz="2800" dirty="0">
-                <a:solidFill>
-                  <a:srgbClr val="2B4B82"/>
-                </a:solidFill>
-                <a:latin typeface="Josefin Sans Bold Bold"/>
-              </a:rPr>
-              <a:t> </a:t>
-            </a:r>
-            <a:r>
-              <a:rPr lang="en-US" sz="2800" dirty="0" err="1">
-                <a:solidFill>
-                  <a:srgbClr val="2B4B82"/>
-                </a:solidFill>
-                <a:latin typeface="Josefin Sans Bold Bold"/>
-              </a:rPr>
-              <a:t>của</a:t>
-            </a:r>
-            <a:r>
-              <a:rPr lang="en-US" sz="2800" dirty="0">
-                <a:solidFill>
-                  <a:srgbClr val="2B4B82"/>
-                </a:solidFill>
-                <a:latin typeface="Josefin Sans Bold Bold"/>
-              </a:rPr>
-              <a:t> </a:t>
-            </a:r>
-            <a:r>
-              <a:rPr lang="en-US" sz="2800" dirty="0" err="1">
-                <a:solidFill>
-                  <a:srgbClr val="2B4B82"/>
-                </a:solidFill>
-                <a:latin typeface="Josefin Sans Bold Bold"/>
-              </a:rPr>
-              <a:t>đối</a:t>
-            </a:r>
-            <a:r>
-              <a:rPr lang="en-US" sz="2800" dirty="0">
-                <a:solidFill>
-                  <a:srgbClr val="2B4B82"/>
-                </a:solidFill>
-                <a:latin typeface="Josefin Sans Bold Bold"/>
-              </a:rPr>
-              <a:t> </a:t>
-            </a:r>
-            <a:r>
-              <a:rPr lang="en-US" sz="2800" dirty="0" err="1">
-                <a:solidFill>
-                  <a:srgbClr val="2B4B82"/>
-                </a:solidFill>
-                <a:latin typeface="Josefin Sans Bold Bold"/>
-              </a:rPr>
-              <a:t>tượng</a:t>
             </a:r>
             <a:endParaRPr lang="en-US" sz="2800" dirty="0">
               <a:solidFill>
@@ -6852,7 +7276,7 @@
         </p:nvSpPr>
         <p:spPr>
           <a:xfrm>
-            <a:off x="7677037" y="6134704"/>
+            <a:off x="12419335" y="6287811"/>
             <a:ext cx="5092822" cy="482824"/>
           </a:xfrm>
           <a:prstGeom prst="rect">
@@ -6943,7 +7367,7 @@
         </p:nvSpPr>
         <p:spPr>
           <a:xfrm>
-            <a:off x="12769859" y="6134704"/>
+            <a:off x="6603175" y="6287811"/>
             <a:ext cx="4756141" cy="482824"/>
           </a:xfrm>
           <a:prstGeom prst="rect">
@@ -6970,7 +7394,7 @@
                 </a:solidFill>
                 <a:latin typeface="Josefin Sans Bold Bold"/>
               </a:rPr>
-              <a:t>Dễ</a:t>
+              <a:t>Tái</a:t>
             </a:r>
             <a:r>
               <a:rPr lang="vi-VN" sz="2800" dirty="0">
@@ -6988,7 +7412,7 @@
                 </a:solidFill>
                 <a:latin typeface="Josefin Sans Bold Bold"/>
               </a:rPr>
-              <a:t>dàng</a:t>
+              <a:t>sử</a:t>
             </a:r>
             <a:r>
               <a:rPr lang="vi-VN" sz="2800" dirty="0">
@@ -7006,7 +7430,7 @@
                 </a:solidFill>
                 <a:latin typeface="Josefin Sans Bold Bold"/>
               </a:rPr>
-              <a:t>bảo</a:t>
+              <a:t>dụng</a:t>
             </a:r>
             <a:r>
               <a:rPr lang="vi-VN" sz="2800" dirty="0">
@@ -7024,7 +7448,7 @@
                 </a:solidFill>
                 <a:latin typeface="Josefin Sans Bold Bold"/>
               </a:rPr>
-              <a:t>trì</a:t>
+              <a:t>code</a:t>
             </a:r>
             <a:endParaRPr lang="en-US" sz="2800" dirty="0">
               <a:solidFill>
@@ -7049,8 +7473,8 @@
         </p:nvSpPr>
         <p:spPr>
           <a:xfrm>
-            <a:off x="1353939" y="6972300"/>
-            <a:ext cx="4340352" cy="3127779"/>
+            <a:off x="1390515" y="6883187"/>
+            <a:ext cx="4340352" cy="1383712"/>
           </a:xfrm>
           <a:prstGeom prst="rect">
             <a:avLst/>
@@ -7075,7 +7499,7 @@
                 </a:solidFill>
                 <a:latin typeface="Josefin Sans Regular"/>
               </a:rPr>
-              <a:t>Tính</a:t>
+              <a:t>Tập</a:t>
             </a:r>
             <a:r>
               <a:rPr lang="vi-VN" sz="2400" dirty="0">
@@ -7084,6 +7508,24 @@
                 </a:solidFill>
                 <a:latin typeface="Josefin Sans Regular"/>
               </a:rPr>
+              <a:t> trung </a:t>
+            </a:r>
+            <a:r>
+              <a:rPr lang="vi-VN" sz="2400" dirty="0" err="1">
+                <a:solidFill>
+                  <a:srgbClr val="2B4B82"/>
+                </a:solidFill>
+                <a:latin typeface="Josefin Sans Regular"/>
+              </a:rPr>
+              <a:t>vào</a:t>
+            </a:r>
+            <a:r>
+              <a:rPr lang="vi-VN" sz="2400" dirty="0">
+                <a:solidFill>
+                  <a:srgbClr val="2B4B82"/>
+                </a:solidFill>
+                <a:latin typeface="Josefin Sans Regular"/>
+              </a:rPr>
               <a:t> </a:t>
             </a:r>
             <a:r>
@@ -7093,7 +7535,7 @@
                 </a:solidFill>
                 <a:latin typeface="Josefin Sans Regular"/>
               </a:rPr>
-              <a:t>trừu</a:t>
+              <a:t>việc</a:t>
             </a:r>
             <a:r>
               <a:rPr lang="vi-VN" sz="2400" dirty="0">
@@ -7111,6 +7553,24 @@
                 </a:solidFill>
                 <a:latin typeface="Josefin Sans Regular"/>
               </a:rPr>
+              <a:t>đối</a:t>
+            </a:r>
+            <a:r>
+              <a:rPr lang="vi-VN" sz="2400" dirty="0">
+                <a:solidFill>
+                  <a:srgbClr val="2B4B82"/>
+                </a:solidFill>
+                <a:latin typeface="Josefin Sans Regular"/>
+              </a:rPr>
+              <a:t> </a:t>
+            </a:r>
+            <a:r>
+              <a:rPr lang="vi-VN" sz="2400" dirty="0" err="1">
+                <a:solidFill>
+                  <a:srgbClr val="2B4B82"/>
+                </a:solidFill>
+                <a:latin typeface="Josefin Sans Regular"/>
+              </a:rPr>
               <a:t>tượng</a:t>
             </a:r>
             <a:r>
@@ -7129,7 +7589,7 @@
                 </a:solidFill>
                 <a:latin typeface="Josefin Sans Regular"/>
               </a:rPr>
-              <a:t>giúp</a:t>
+              <a:t>muốn</a:t>
             </a:r>
             <a:r>
               <a:rPr lang="vi-VN" sz="2400" dirty="0">
@@ -7138,7 +7598,7 @@
                 </a:solidFill>
                 <a:latin typeface="Josefin Sans Regular"/>
               </a:rPr>
-              <a:t> LTV </a:t>
+              <a:t> </a:t>
             </a:r>
             <a:r>
               <a:rPr lang="vi-VN" sz="2400" dirty="0" err="1">
@@ -7147,7 +7607,7 @@
                 </a:solidFill>
                 <a:latin typeface="Josefin Sans Regular"/>
               </a:rPr>
-              <a:t>ẩn</a:t>
+              <a:t>làm</a:t>
             </a:r>
             <a:r>
               <a:rPr lang="vi-VN" sz="2400" dirty="0">
@@ -7156,7 +7616,7 @@
                 </a:solidFill>
                 <a:latin typeface="Josefin Sans Regular"/>
               </a:rPr>
-              <a:t> đi </a:t>
+              <a:t> </a:t>
             </a:r>
             <a:r>
               <a:rPr lang="vi-VN" sz="2400" dirty="0" err="1">
@@ -7165,7 +7625,7 @@
                 </a:solidFill>
                 <a:latin typeface="Josefin Sans Regular"/>
               </a:rPr>
-              <a:t>những</a:t>
+              <a:t>gì</a:t>
             </a:r>
             <a:r>
               <a:rPr lang="vi-VN" sz="2400" dirty="0">
@@ -7183,7 +7643,7 @@
                 </a:solidFill>
                 <a:latin typeface="Josefin Sans Regular"/>
               </a:rPr>
-              <a:t>thứ</a:t>
+              <a:t>chứ</a:t>
             </a:r>
             <a:r>
               <a:rPr lang="vi-VN" sz="2400" dirty="0">
@@ -7192,6 +7652,42 @@
                 </a:solidFill>
                 <a:latin typeface="Josefin Sans Regular"/>
               </a:rPr>
+              <a:t> không </a:t>
+            </a:r>
+            <a:r>
+              <a:rPr lang="vi-VN" sz="2400" dirty="0" err="1">
+                <a:solidFill>
+                  <a:srgbClr val="2B4B82"/>
+                </a:solidFill>
+                <a:latin typeface="Josefin Sans Regular"/>
+              </a:rPr>
+              <a:t>tập</a:t>
+            </a:r>
+            <a:r>
+              <a:rPr lang="vi-VN" sz="2400" dirty="0">
+                <a:solidFill>
+                  <a:srgbClr val="2B4B82"/>
+                </a:solidFill>
+                <a:latin typeface="Josefin Sans Regular"/>
+              </a:rPr>
+              <a:t> trung </a:t>
+            </a:r>
+            <a:r>
+              <a:rPr lang="vi-VN" sz="2400" dirty="0" err="1">
+                <a:solidFill>
+                  <a:srgbClr val="2B4B82"/>
+                </a:solidFill>
+                <a:latin typeface="Josefin Sans Regular"/>
+              </a:rPr>
+              <a:t>vào</a:t>
+            </a:r>
+            <a:r>
+              <a:rPr lang="vi-VN" sz="2400" dirty="0">
+                <a:solidFill>
+                  <a:srgbClr val="2B4B82"/>
+                </a:solidFill>
+                <a:latin typeface="Josefin Sans Regular"/>
+              </a:rPr>
               <a:t> </a:t>
             </a:r>
             <a:r>
@@ -7201,7 +7697,7 @@
                 </a:solidFill>
                 <a:latin typeface="Josefin Sans Regular"/>
               </a:rPr>
-              <a:t>phức</a:t>
+              <a:t>cách</a:t>
             </a:r>
             <a:r>
               <a:rPr lang="vi-VN" sz="2400" dirty="0">
@@ -7219,7 +7715,7 @@
                 </a:solidFill>
                 <a:latin typeface="Josefin Sans Regular"/>
               </a:rPr>
-              <a:t>tạp</a:t>
+              <a:t>nó</a:t>
             </a:r>
             <a:r>
               <a:rPr lang="vi-VN" sz="2400" dirty="0">
@@ -7237,7 +7733,7 @@
                 </a:solidFill>
                 <a:latin typeface="Josefin Sans Regular"/>
               </a:rPr>
-              <a:t>và</a:t>
+              <a:t>thực</a:t>
             </a:r>
             <a:r>
               <a:rPr lang="vi-VN" sz="2400" dirty="0">
@@ -7255,376 +7751,7 @@
                 </a:solidFill>
                 <a:latin typeface="Josefin Sans Regular"/>
               </a:rPr>
-              <a:t>chỉ</a:t>
-            </a:r>
-            <a:r>
-              <a:rPr lang="vi-VN" sz="2400" dirty="0">
-                <a:solidFill>
-                  <a:srgbClr val="2B4B82"/>
-                </a:solidFill>
-                <a:latin typeface="Josefin Sans Regular"/>
-              </a:rPr>
-              <a:t> </a:t>
-            </a:r>
-            <a:r>
-              <a:rPr lang="vi-VN" sz="2400" dirty="0" err="1">
-                <a:solidFill>
-                  <a:srgbClr val="2B4B82"/>
-                </a:solidFill>
-                <a:latin typeface="Josefin Sans Regular"/>
-              </a:rPr>
               <a:t>hiện</a:t>
-            </a:r>
-            <a:r>
-              <a:rPr lang="vi-VN" sz="2400" dirty="0">
-                <a:solidFill>
-                  <a:srgbClr val="2B4B82"/>
-                </a:solidFill>
-                <a:latin typeface="Josefin Sans Regular"/>
-              </a:rPr>
-              <a:t> </a:t>
-            </a:r>
-            <a:r>
-              <a:rPr lang="vi-VN" sz="2400" dirty="0" err="1">
-                <a:solidFill>
-                  <a:srgbClr val="2B4B82"/>
-                </a:solidFill>
-                <a:latin typeface="Josefin Sans Regular"/>
-              </a:rPr>
-              <a:t>thị</a:t>
-            </a:r>
-            <a:r>
-              <a:rPr lang="vi-VN" sz="2400" dirty="0">
-                <a:solidFill>
-                  <a:srgbClr val="2B4B82"/>
-                </a:solidFill>
-                <a:latin typeface="Josefin Sans Regular"/>
-              </a:rPr>
-              <a:t> cho </a:t>
-            </a:r>
-            <a:r>
-              <a:rPr lang="vi-VN" sz="2400" dirty="0" err="1">
-                <a:solidFill>
-                  <a:srgbClr val="2B4B82"/>
-                </a:solidFill>
-                <a:latin typeface="Josefin Sans Regular"/>
-              </a:rPr>
-              <a:t>người</a:t>
-            </a:r>
-            <a:r>
-              <a:rPr lang="vi-VN" sz="2400" dirty="0">
-                <a:solidFill>
-                  <a:srgbClr val="2B4B82"/>
-                </a:solidFill>
-                <a:latin typeface="Josefin Sans Regular"/>
-              </a:rPr>
-              <a:t> </a:t>
-            </a:r>
-            <a:r>
-              <a:rPr lang="vi-VN" sz="2400" dirty="0" err="1">
-                <a:solidFill>
-                  <a:srgbClr val="2B4B82"/>
-                </a:solidFill>
-                <a:latin typeface="Josefin Sans Regular"/>
-              </a:rPr>
-              <a:t>dùng</a:t>
-            </a:r>
-            <a:r>
-              <a:rPr lang="vi-VN" sz="2400" dirty="0">
-                <a:solidFill>
-                  <a:srgbClr val="2B4B82"/>
-                </a:solidFill>
-                <a:latin typeface="Josefin Sans Regular"/>
-              </a:rPr>
-              <a:t> nhưng thông tin </a:t>
-            </a:r>
-            <a:r>
-              <a:rPr lang="vi-VN" sz="2400" dirty="0" err="1">
-                <a:solidFill>
-                  <a:srgbClr val="2B4B82"/>
-                </a:solidFill>
-                <a:latin typeface="Josefin Sans Regular"/>
-              </a:rPr>
-              <a:t>cần</a:t>
-            </a:r>
-            <a:r>
-              <a:rPr lang="vi-VN" sz="2400" dirty="0">
-                <a:solidFill>
-                  <a:srgbClr val="2B4B82"/>
-                </a:solidFill>
-                <a:latin typeface="Josefin Sans Regular"/>
-              </a:rPr>
-              <a:t> </a:t>
-            </a:r>
-            <a:r>
-              <a:rPr lang="vi-VN" sz="2400" dirty="0" err="1">
-                <a:solidFill>
-                  <a:srgbClr val="2B4B82"/>
-                </a:solidFill>
-                <a:latin typeface="Josefin Sans Regular"/>
-              </a:rPr>
-              <a:t>thiết</a:t>
-            </a:r>
-            <a:r>
-              <a:rPr lang="vi-VN" sz="2400" dirty="0">
-                <a:solidFill>
-                  <a:srgbClr val="2B4B82"/>
-                </a:solidFill>
-                <a:latin typeface="Josefin Sans Regular"/>
-              </a:rPr>
-              <a:t>. </a:t>
-            </a:r>
-            <a:r>
-              <a:rPr lang="vi-VN" sz="2400" dirty="0" err="1">
-                <a:solidFill>
-                  <a:srgbClr val="2B4B82"/>
-                </a:solidFill>
-                <a:latin typeface="Josefin Sans Regular"/>
-              </a:rPr>
-              <a:t>Tập</a:t>
-            </a:r>
-            <a:r>
-              <a:rPr lang="vi-VN" sz="2400" dirty="0">
-                <a:solidFill>
-                  <a:srgbClr val="2B4B82"/>
-                </a:solidFill>
-                <a:latin typeface="Josefin Sans Regular"/>
-              </a:rPr>
-              <a:t> trung </a:t>
-            </a:r>
-            <a:r>
-              <a:rPr lang="vi-VN" sz="2400" dirty="0" err="1">
-                <a:solidFill>
-                  <a:srgbClr val="2B4B82"/>
-                </a:solidFill>
-                <a:latin typeface="Josefin Sans Regular"/>
-              </a:rPr>
-              <a:t>vào</a:t>
-            </a:r>
-            <a:r>
-              <a:rPr lang="vi-VN" sz="2400" dirty="0">
-                <a:solidFill>
-                  <a:srgbClr val="2B4B82"/>
-                </a:solidFill>
-                <a:latin typeface="Josefin Sans Regular"/>
-              </a:rPr>
-              <a:t> </a:t>
-            </a:r>
-            <a:r>
-              <a:rPr lang="vi-VN" sz="2400" dirty="0" err="1">
-                <a:solidFill>
-                  <a:srgbClr val="2B4B82"/>
-                </a:solidFill>
-                <a:latin typeface="Josefin Sans Regular"/>
-              </a:rPr>
-              <a:t>những</a:t>
-            </a:r>
-            <a:r>
-              <a:rPr lang="vi-VN" sz="2400" dirty="0">
-                <a:solidFill>
-                  <a:srgbClr val="2B4B82"/>
-                </a:solidFill>
-                <a:latin typeface="Josefin Sans Regular"/>
-              </a:rPr>
-              <a:t> </a:t>
-            </a:r>
-            <a:r>
-              <a:rPr lang="vi-VN" sz="2400" dirty="0" err="1">
-                <a:solidFill>
-                  <a:srgbClr val="2B4B82"/>
-                </a:solidFill>
-                <a:latin typeface="Josefin Sans Regular"/>
-              </a:rPr>
-              <a:t>phần</a:t>
-            </a:r>
-            <a:r>
-              <a:rPr lang="vi-VN" sz="2400" dirty="0">
-                <a:solidFill>
-                  <a:srgbClr val="2B4B82"/>
-                </a:solidFill>
-                <a:latin typeface="Josefin Sans Regular"/>
-              </a:rPr>
-              <a:t> </a:t>
-            </a:r>
-            <a:r>
-              <a:rPr lang="vi-VN" sz="2400" dirty="0" err="1">
-                <a:solidFill>
-                  <a:srgbClr val="2B4B82"/>
-                </a:solidFill>
-                <a:latin typeface="Josefin Sans Regular"/>
-              </a:rPr>
-              <a:t>cốt</a:t>
-            </a:r>
-            <a:r>
-              <a:rPr lang="vi-VN" sz="2400" dirty="0">
-                <a:solidFill>
-                  <a:srgbClr val="2B4B82"/>
-                </a:solidFill>
-                <a:latin typeface="Josefin Sans Regular"/>
-              </a:rPr>
-              <a:t> </a:t>
-            </a:r>
-            <a:r>
-              <a:rPr lang="vi-VN" sz="2400" dirty="0" err="1">
-                <a:solidFill>
-                  <a:srgbClr val="2B4B82"/>
-                </a:solidFill>
-                <a:latin typeface="Josefin Sans Regular"/>
-              </a:rPr>
-              <a:t>lõi</a:t>
-            </a:r>
-            <a:r>
-              <a:rPr lang="vi-VN" sz="2400" dirty="0">
-                <a:solidFill>
-                  <a:srgbClr val="2B4B82"/>
-                </a:solidFill>
-                <a:latin typeface="Josefin Sans Regular"/>
-              </a:rPr>
-              <a:t> </a:t>
-            </a:r>
-            <a:r>
-              <a:rPr lang="vi-VN" sz="2400" dirty="0" err="1">
-                <a:solidFill>
-                  <a:srgbClr val="2B4B82"/>
-                </a:solidFill>
-                <a:latin typeface="Josefin Sans Regular"/>
-              </a:rPr>
-              <a:t>của</a:t>
-            </a:r>
-            <a:r>
-              <a:rPr lang="vi-VN" sz="2400" dirty="0">
-                <a:solidFill>
-                  <a:srgbClr val="2B4B82"/>
-                </a:solidFill>
-                <a:latin typeface="Josefin Sans Regular"/>
-              </a:rPr>
-              <a:t> </a:t>
-            </a:r>
-            <a:r>
-              <a:rPr lang="vi-VN" sz="2400" dirty="0" err="1">
-                <a:solidFill>
-                  <a:srgbClr val="2B4B82"/>
-                </a:solidFill>
-                <a:latin typeface="Josefin Sans Regular"/>
-              </a:rPr>
-              <a:t>đối</a:t>
-            </a:r>
-            <a:r>
-              <a:rPr lang="vi-VN" sz="2400" dirty="0">
-                <a:solidFill>
-                  <a:srgbClr val="2B4B82"/>
-                </a:solidFill>
-                <a:latin typeface="Josefin Sans Regular"/>
-              </a:rPr>
-              <a:t> </a:t>
-            </a:r>
-            <a:r>
-              <a:rPr lang="vi-VN" sz="2400" dirty="0" err="1">
-                <a:solidFill>
-                  <a:srgbClr val="2B4B82"/>
-                </a:solidFill>
-                <a:latin typeface="Josefin Sans Regular"/>
-              </a:rPr>
-              <a:t>tượng</a:t>
-            </a:r>
-            <a:r>
-              <a:rPr lang="vi-VN" sz="2400" dirty="0">
-                <a:solidFill>
-                  <a:srgbClr val="2B4B82"/>
-                </a:solidFill>
-                <a:latin typeface="Josefin Sans Regular"/>
-              </a:rPr>
-              <a:t> thay </a:t>
-            </a:r>
-            <a:r>
-              <a:rPr lang="vi-VN" sz="2400" dirty="0" err="1">
-                <a:solidFill>
-                  <a:srgbClr val="2B4B82"/>
-                </a:solidFill>
-                <a:latin typeface="Josefin Sans Regular"/>
-              </a:rPr>
-              <a:t>vì</a:t>
-            </a:r>
-            <a:r>
-              <a:rPr lang="vi-VN" sz="2400" dirty="0">
-                <a:solidFill>
-                  <a:srgbClr val="2B4B82"/>
-                </a:solidFill>
-                <a:latin typeface="Josefin Sans Regular"/>
-              </a:rPr>
-              <a:t> </a:t>
-            </a:r>
-            <a:r>
-              <a:rPr lang="vi-VN" sz="2400" dirty="0" err="1">
-                <a:solidFill>
-                  <a:srgbClr val="2B4B82"/>
-                </a:solidFill>
-                <a:latin typeface="Josefin Sans Regular"/>
-              </a:rPr>
-              <a:t>cách</a:t>
-            </a:r>
-            <a:r>
-              <a:rPr lang="vi-VN" sz="2400" dirty="0">
-                <a:solidFill>
-                  <a:srgbClr val="2B4B82"/>
-                </a:solidFill>
-                <a:latin typeface="Josefin Sans Regular"/>
-              </a:rPr>
-              <a:t> </a:t>
-            </a:r>
-            <a:r>
-              <a:rPr lang="vi-VN" sz="2400" dirty="0" err="1">
-                <a:solidFill>
-                  <a:srgbClr val="2B4B82"/>
-                </a:solidFill>
-                <a:latin typeface="Josefin Sans Regular"/>
-              </a:rPr>
-              <a:t>chúng</a:t>
-            </a:r>
-            <a:r>
-              <a:rPr lang="vi-VN" sz="2400" dirty="0">
-                <a:solidFill>
-                  <a:srgbClr val="2B4B82"/>
-                </a:solidFill>
-                <a:latin typeface="Josefin Sans Regular"/>
-              </a:rPr>
-              <a:t> </a:t>
-            </a:r>
-            <a:r>
-              <a:rPr lang="vi-VN" sz="2400" dirty="0" err="1">
-                <a:solidFill>
-                  <a:srgbClr val="2B4B82"/>
-                </a:solidFill>
-                <a:latin typeface="Josefin Sans Regular"/>
-              </a:rPr>
-              <a:t>hoạt</a:t>
-            </a:r>
-            <a:r>
-              <a:rPr lang="vi-VN" sz="2400" dirty="0">
-                <a:solidFill>
-                  <a:srgbClr val="2B4B82"/>
-                </a:solidFill>
-                <a:latin typeface="Josefin Sans Regular"/>
-              </a:rPr>
-              <a:t> </a:t>
-            </a:r>
-            <a:r>
-              <a:rPr lang="vi-VN" sz="2400" dirty="0" err="1">
-                <a:solidFill>
-                  <a:srgbClr val="2B4B82"/>
-                </a:solidFill>
-                <a:latin typeface="Josefin Sans Regular"/>
-              </a:rPr>
-              <a:t>động</a:t>
-            </a:r>
-            <a:r>
-              <a:rPr lang="vi-VN" sz="2400" dirty="0">
-                <a:solidFill>
-                  <a:srgbClr val="2B4B82"/>
-                </a:solidFill>
-                <a:latin typeface="Josefin Sans Regular"/>
-              </a:rPr>
-              <a:t>  </a:t>
             </a:r>
             <a:endParaRPr lang="en-US" sz="2400" dirty="0">
               <a:solidFill>
@@ -7649,8 +7776,8 @@
         </p:nvSpPr>
         <p:spPr>
           <a:xfrm>
-            <a:off x="8053272" y="7159221"/>
-            <a:ext cx="4340352" cy="1819729"/>
+            <a:off x="12593709" y="6883187"/>
+            <a:ext cx="4340352" cy="1383712"/>
           </a:xfrm>
           <a:prstGeom prst="rect">
             <a:avLst/>
@@ -7675,7 +7802,7 @@
                 </a:solidFill>
                 <a:latin typeface="Josefin Sans Regular"/>
               </a:rPr>
-              <a:t>Tính</a:t>
+              <a:t>Chỉ</a:t>
             </a:r>
             <a:r>
               <a:rPr lang="vi-VN" sz="2400" dirty="0">
@@ -7693,7 +7820,7 @@
                 </a:solidFill>
                 <a:latin typeface="Josefin Sans Regular"/>
               </a:rPr>
-              <a:t>trừu</a:t>
+              <a:t>những</a:t>
             </a:r>
             <a:r>
               <a:rPr lang="vi-VN" sz="2400" dirty="0">
@@ -7702,6 +7829,42 @@
                 </a:solidFill>
                 <a:latin typeface="Josefin Sans Regular"/>
               </a:rPr>
+              <a:t> chi </a:t>
+            </a:r>
+            <a:r>
+              <a:rPr lang="vi-VN" sz="2400" dirty="0" err="1">
+                <a:solidFill>
+                  <a:srgbClr val="2B4B82"/>
+                </a:solidFill>
+                <a:latin typeface="Josefin Sans Regular"/>
+              </a:rPr>
+              <a:t>tiết</a:t>
+            </a:r>
+            <a:r>
+              <a:rPr lang="vi-VN" sz="2400" dirty="0">
+                <a:solidFill>
+                  <a:srgbClr val="2B4B82"/>
+                </a:solidFill>
+                <a:latin typeface="Josefin Sans Regular"/>
+              </a:rPr>
+              <a:t> quan </a:t>
+            </a:r>
+            <a:r>
+              <a:rPr lang="vi-VN" sz="2400" dirty="0" err="1">
+                <a:solidFill>
+                  <a:srgbClr val="2B4B82"/>
+                </a:solidFill>
+                <a:latin typeface="Josefin Sans Regular"/>
+              </a:rPr>
+              <a:t>trọng</a:t>
+            </a:r>
+            <a:r>
+              <a:rPr lang="vi-VN" sz="2400" dirty="0">
+                <a:solidFill>
+                  <a:srgbClr val="2B4B82"/>
+                </a:solidFill>
+                <a:latin typeface="Josefin Sans Regular"/>
+              </a:rPr>
               <a:t> </a:t>
             </a:r>
             <a:r>
@@ -7711,7 +7874,7 @@
                 </a:solidFill>
                 <a:latin typeface="Josefin Sans Regular"/>
               </a:rPr>
-              <a:t>tượng</a:t>
+              <a:t>mới</a:t>
             </a:r>
             <a:r>
               <a:rPr lang="vi-VN" sz="2400" dirty="0">
@@ -7729,7 +7892,7 @@
                 </a:solidFill>
                 <a:latin typeface="Josefin Sans Regular"/>
               </a:rPr>
-              <a:t>ẩn</a:t>
+              <a:t>được</a:t>
             </a:r>
             <a:r>
               <a:rPr lang="vi-VN" sz="2400" dirty="0">
@@ -7738,7 +7901,7 @@
                 </a:solidFill>
                 <a:latin typeface="Josefin Sans Regular"/>
               </a:rPr>
-              <a:t> đi </a:t>
+              <a:t> cung </a:t>
             </a:r>
             <a:r>
               <a:rPr lang="vi-VN" sz="2400" dirty="0" err="1">
@@ -7747,7 +7910,7 @@
                 </a:solidFill>
                 <a:latin typeface="Josefin Sans Regular"/>
               </a:rPr>
-              <a:t>các</a:t>
+              <a:t>cấp</a:t>
             </a:r>
             <a:r>
               <a:rPr lang="vi-VN" sz="2400" dirty="0">
@@ -7756,6 +7919,24 @@
                 </a:solidFill>
                 <a:latin typeface="Josefin Sans Regular"/>
               </a:rPr>
+              <a:t> cho </a:t>
+            </a:r>
+            <a:r>
+              <a:rPr lang="vi-VN" sz="2400" dirty="0" err="1">
+                <a:solidFill>
+                  <a:srgbClr val="2B4B82"/>
+                </a:solidFill>
+                <a:latin typeface="Josefin Sans Regular"/>
+              </a:rPr>
+              <a:t>người</a:t>
+            </a:r>
+            <a:r>
+              <a:rPr lang="vi-VN" sz="2400" dirty="0">
+                <a:solidFill>
+                  <a:srgbClr val="2B4B82"/>
+                </a:solidFill>
+                <a:latin typeface="Josefin Sans Regular"/>
+              </a:rPr>
               <a:t> </a:t>
             </a:r>
             <a:r>
@@ -7765,7 +7946,7 @@
                 </a:solidFill>
                 <a:latin typeface="Josefin Sans Regular"/>
               </a:rPr>
-              <a:t>đoạn</a:t>
+              <a:t>dùng</a:t>
             </a:r>
             <a:r>
               <a:rPr lang="vi-VN" sz="2400" dirty="0">
@@ -7774,124 +7955,7 @@
                 </a:solidFill>
                 <a:latin typeface="Josefin Sans Regular"/>
               </a:rPr>
-              <a:t> </a:t>
-            </a:r>
-            <a:r>
-              <a:rPr lang="vi-VN" sz="2400" dirty="0" err="1">
-                <a:solidFill>
-                  <a:srgbClr val="2B4B82"/>
-                </a:solidFill>
-                <a:latin typeface="Josefin Sans Regular"/>
-              </a:rPr>
-              <a:t>code</a:t>
-            </a:r>
-            <a:r>
-              <a:rPr lang="vi-VN" sz="2400" dirty="0">
-                <a:solidFill>
-                  <a:srgbClr val="2B4B82"/>
-                </a:solidFill>
-                <a:latin typeface="Josefin Sans Regular"/>
-              </a:rPr>
-              <a:t> </a:t>
-            </a:r>
-            <a:r>
-              <a:rPr lang="vi-VN" sz="2400" dirty="0" err="1">
-                <a:solidFill>
-                  <a:srgbClr val="2B4B82"/>
-                </a:solidFill>
-                <a:latin typeface="Josefin Sans Regular"/>
-              </a:rPr>
-              <a:t>phức</a:t>
-            </a:r>
-            <a:r>
-              <a:rPr lang="vi-VN" sz="2400" dirty="0">
-                <a:solidFill>
-                  <a:srgbClr val="2B4B82"/>
-                </a:solidFill>
-                <a:latin typeface="Josefin Sans Regular"/>
-              </a:rPr>
-              <a:t> </a:t>
-            </a:r>
-            <a:r>
-              <a:rPr lang="vi-VN" sz="2400" dirty="0" err="1">
-                <a:solidFill>
-                  <a:srgbClr val="2B4B82"/>
-                </a:solidFill>
-                <a:latin typeface="Josefin Sans Regular"/>
-              </a:rPr>
-              <a:t>tạp</a:t>
-            </a:r>
-            <a:r>
-              <a:rPr lang="vi-VN" sz="2400" dirty="0">
-                <a:solidFill>
-                  <a:srgbClr val="2B4B82"/>
-                </a:solidFill>
-                <a:latin typeface="Josefin Sans Regular"/>
-              </a:rPr>
-              <a:t>, tăng </a:t>
-            </a:r>
-            <a:r>
-              <a:rPr lang="vi-VN" sz="2400" dirty="0" err="1">
-                <a:solidFill>
-                  <a:srgbClr val="2B4B82"/>
-                </a:solidFill>
-                <a:latin typeface="Josefin Sans Regular"/>
-              </a:rPr>
-              <a:t>khả</a:t>
-            </a:r>
-            <a:r>
-              <a:rPr lang="vi-VN" sz="2400" dirty="0">
-                <a:solidFill>
-                  <a:srgbClr val="2B4B82"/>
-                </a:solidFill>
-                <a:latin typeface="Josefin Sans Regular"/>
-              </a:rPr>
-              <a:t> năng </a:t>
-            </a:r>
-            <a:r>
-              <a:rPr lang="vi-VN" sz="2400" dirty="0" err="1">
-                <a:solidFill>
-                  <a:srgbClr val="2B4B82"/>
-                </a:solidFill>
-                <a:latin typeface="Josefin Sans Regular"/>
-              </a:rPr>
-              <a:t>bảo</a:t>
-            </a:r>
-            <a:r>
-              <a:rPr lang="vi-VN" sz="2400" dirty="0">
-                <a:solidFill>
-                  <a:srgbClr val="2B4B82"/>
-                </a:solidFill>
-                <a:latin typeface="Josefin Sans Regular"/>
-              </a:rPr>
-              <a:t> </a:t>
-            </a:r>
-            <a:r>
-              <a:rPr lang="vi-VN" sz="2400" dirty="0" err="1">
-                <a:solidFill>
-                  <a:srgbClr val="2B4B82"/>
-                </a:solidFill>
-                <a:latin typeface="Josefin Sans Regular"/>
-              </a:rPr>
-              <a:t>mật</a:t>
-            </a:r>
-            <a:r>
-              <a:rPr lang="vi-VN" sz="2400" dirty="0">
-                <a:solidFill>
-                  <a:srgbClr val="2B4B82"/>
-                </a:solidFill>
-                <a:latin typeface="Josefin Sans Regular"/>
-              </a:rPr>
-              <a:t> cho chương </a:t>
-            </a:r>
-            <a:r>
-              <a:rPr lang="vi-VN" sz="2400" dirty="0" err="1">
-                <a:solidFill>
-                  <a:srgbClr val="2B4B82"/>
-                </a:solidFill>
-                <a:latin typeface="Josefin Sans Regular"/>
-              </a:rPr>
-              <a:t>trình</a:t>
+              <a:t>.</a:t>
             </a:r>
             <a:endParaRPr lang="en-US" sz="2400" dirty="0">
               <a:solidFill>
@@ -7916,8 +7980,8 @@
         </p:nvSpPr>
         <p:spPr>
           <a:xfrm>
-            <a:off x="12977753" y="7159220"/>
-            <a:ext cx="4340352" cy="1383712"/>
+            <a:off x="6811069" y="6883187"/>
+            <a:ext cx="4340352" cy="947695"/>
           </a:xfrm>
           <a:prstGeom prst="rect">
             <a:avLst/>
@@ -7936,16 +8000,70 @@
               </a:lnSpc>
             </a:pPr>
             <a:r>
+              <a:rPr lang="en-US" sz="2400" dirty="0" err="1">
+                <a:solidFill>
+                  <a:srgbClr val="2B4B82"/>
+                </a:solidFill>
+                <a:latin typeface="Josefin Sans Regular"/>
+              </a:rPr>
+              <a:t>Tránh</a:t>
+            </a:r>
+            <a:r>
+              <a:rPr lang="en-US" sz="2400" dirty="0">
+                <a:solidFill>
+                  <a:srgbClr val="2B4B82"/>
+                </a:solidFill>
+                <a:latin typeface="Josefin Sans Regular"/>
+              </a:rPr>
+              <a:t> </a:t>
+            </a:r>
+            <a:r>
+              <a:rPr lang="en-US" sz="2400" dirty="0" err="1">
+                <a:solidFill>
+                  <a:srgbClr val="2B4B82"/>
+                </a:solidFill>
+                <a:latin typeface="Josefin Sans Regular"/>
+              </a:rPr>
+              <a:t>trùng</a:t>
+            </a:r>
+            <a:r>
+              <a:rPr lang="en-US" sz="2400" dirty="0">
+                <a:solidFill>
+                  <a:srgbClr val="2B4B82"/>
+                </a:solidFill>
+                <a:latin typeface="Josefin Sans Regular"/>
+              </a:rPr>
+              <a:t> </a:t>
+            </a:r>
+            <a:r>
+              <a:rPr lang="en-US" sz="2400" dirty="0" err="1">
+                <a:solidFill>
+                  <a:srgbClr val="2B4B82"/>
+                </a:solidFill>
+                <a:latin typeface="Josefin Sans Regular"/>
+              </a:rPr>
+              <a:t>lặp</a:t>
+            </a:r>
+            <a:r>
+              <a:rPr lang="en-US" sz="2400" dirty="0">
+                <a:solidFill>
+                  <a:srgbClr val="2B4B82"/>
+                </a:solidFill>
+                <a:latin typeface="Josefin Sans Regular"/>
+              </a:rPr>
+              <a:t> </a:t>
+            </a:r>
+            <a:r>
               <a:rPr lang="vi-VN" sz="2400" dirty="0" err="1">
                 <a:solidFill>
                   <a:srgbClr val="2B4B82"/>
                 </a:solidFill>
                 <a:latin typeface="Josefin Sans Regular"/>
               </a:rPr>
-              <a:t>Việc</a:t>
-            </a:r>
-            <a:r>
-              <a:rPr lang="vi-VN" sz="2400" dirty="0">
+              <a:t>code</a:t>
+            </a:r>
+            <a:r>
+              <a:rPr lang="en-US" sz="2400" dirty="0">
                 <a:solidFill>
                   <a:srgbClr val="2B4B82"/>
                 </a:solidFill>
@@ -7954,16 +8072,16 @@
               <a:t> </a:t>
             </a:r>
             <a:r>
-              <a:rPr lang="vi-VN" sz="2400" dirty="0" err="1">
+              <a:rPr lang="en-US" sz="2400" dirty="0" err="1">
                 <a:solidFill>
                   <a:srgbClr val="2B4B82"/>
                 </a:solidFill>
                 <a:latin typeface="Josefin Sans Regular"/>
               </a:rPr>
-              <a:t>bảo</a:t>
-            </a:r>
-            <a:r>
-              <a:rPr lang="vi-VN" sz="2400" dirty="0">
+              <a:t>và</a:t>
+            </a:r>
+            <a:r>
+              <a:rPr lang="en-US" sz="2400" dirty="0">
                 <a:solidFill>
                   <a:srgbClr val="2B4B82"/>
                 </a:solidFill>
@@ -7972,16 +8090,16 @@
               <a:t> </a:t>
             </a:r>
             <a:r>
-              <a:rPr lang="vi-VN" sz="2400" dirty="0" err="1">
+              <a:rPr lang="en-US" sz="2400" dirty="0" err="1">
                 <a:solidFill>
                   <a:srgbClr val="2B4B82"/>
                 </a:solidFill>
                 <a:latin typeface="Josefin Sans Regular"/>
               </a:rPr>
-              <a:t>trì</a:t>
-            </a:r>
-            <a:r>
-              <a:rPr lang="vi-VN" sz="2400" dirty="0">
+              <a:t>tăng</a:t>
+            </a:r>
+            <a:r>
+              <a:rPr lang="en-US" sz="2400" dirty="0">
                 <a:solidFill>
                   <a:srgbClr val="2B4B82"/>
                 </a:solidFill>
@@ -7990,16 +8108,16 @@
               <a:t> </a:t>
             </a:r>
             <a:r>
-              <a:rPr lang="vi-VN" sz="2400" dirty="0" err="1">
+              <a:rPr lang="en-US" sz="2400" dirty="0" err="1">
                 <a:solidFill>
                   <a:srgbClr val="2B4B82"/>
                 </a:solidFill>
                 <a:latin typeface="Josefin Sans Regular"/>
               </a:rPr>
-              <a:t>hệ</a:t>
-            </a:r>
-            <a:r>
-              <a:rPr lang="vi-VN" sz="2400" dirty="0">
+              <a:t>khả</a:t>
+            </a:r>
+            <a:r>
+              <a:rPr lang="en-US" sz="2400" dirty="0">
                 <a:solidFill>
                   <a:srgbClr val="2B4B82"/>
                 </a:solidFill>
@@ -8008,34 +8126,34 @@
               <a:t> </a:t>
             </a:r>
             <a:r>
-              <a:rPr lang="vi-VN" sz="2400" dirty="0" err="1">
+              <a:rPr lang="en-US" sz="2400" dirty="0" err="1">
                 <a:solidFill>
                   <a:srgbClr val="2B4B82"/>
                 </a:solidFill>
                 <a:latin typeface="Josefin Sans Regular"/>
               </a:rPr>
-              <a:t>thống</a:t>
-            </a:r>
-            <a:r>
-              <a:rPr lang="vi-VN" sz="2400" dirty="0">
+              <a:t>năng</a:t>
+            </a:r>
+            <a:r>
+              <a:rPr lang="en-US" sz="2400" dirty="0">
                 <a:solidFill>
                   <a:srgbClr val="2B4B82"/>
                 </a:solidFill>
                 <a:latin typeface="Josefin Sans Regular"/>
               </a:rPr>
-              <a:t> không </a:t>
-            </a:r>
-            <a:r>
-              <a:rPr lang="vi-VN" sz="2400" dirty="0" err="1">
+              <a:t> </a:t>
+            </a:r>
+            <a:r>
+              <a:rPr lang="en-US" sz="2400" dirty="0" err="1">
                 <a:solidFill>
                   <a:srgbClr val="2B4B82"/>
                 </a:solidFill>
                 <a:latin typeface="Josefin Sans Regular"/>
               </a:rPr>
-              <a:t>ảnh</a:t>
-            </a:r>
-            <a:r>
-              <a:rPr lang="vi-VN" sz="2400" dirty="0">
+              <a:t>tái</a:t>
+            </a:r>
+            <a:r>
+              <a:rPr lang="en-US" sz="2400" dirty="0">
                 <a:solidFill>
                   <a:srgbClr val="2B4B82"/>
                 </a:solidFill>
@@ -8044,16 +8162,16 @@
               <a:t> </a:t>
             </a:r>
             <a:r>
-              <a:rPr lang="vi-VN" sz="2400" dirty="0" err="1">
+              <a:rPr lang="en-US" sz="2400" dirty="0" err="1">
                 <a:solidFill>
                   <a:srgbClr val="2B4B82"/>
                 </a:solidFill>
                 <a:latin typeface="Josefin Sans Regular"/>
               </a:rPr>
-              <a:t>hưởng</a:t>
-            </a:r>
-            <a:r>
-              <a:rPr lang="vi-VN" sz="2400" dirty="0">
+              <a:t>sử</a:t>
+            </a:r>
+            <a:r>
+              <a:rPr lang="en-US" sz="2400" dirty="0">
                 <a:solidFill>
                   <a:srgbClr val="2B4B82"/>
                 </a:solidFill>
@@ -8062,110 +8180,23 @@
               <a:t> </a:t>
             </a:r>
             <a:r>
-              <a:rPr lang="vi-VN" sz="2400" dirty="0" err="1">
+              <a:rPr lang="en-US" sz="2400" dirty="0" err="1">
                 <a:solidFill>
                   <a:srgbClr val="2B4B82"/>
                 </a:solidFill>
                 <a:latin typeface="Josefin Sans Regular"/>
               </a:rPr>
-              <a:t>nhiều</a:t>
-            </a:r>
-            <a:r>
-              <a:rPr lang="vi-VN" sz="2400" dirty="0">
+              <a:t>dụng</a:t>
+            </a:r>
+            <a:r>
+              <a:rPr lang="en-US" sz="2400" dirty="0">
                 <a:solidFill>
                   <a:srgbClr val="2B4B82"/>
                 </a:solidFill>
                 <a:latin typeface="Josefin Sans Regular"/>
               </a:rPr>
-              <a:t> </a:t>
-            </a:r>
-            <a:r>
-              <a:rPr lang="vi-VN" sz="2400" dirty="0" err="1">
-                <a:solidFill>
-                  <a:srgbClr val="2B4B82"/>
-                </a:solidFill>
-                <a:latin typeface="Josefin Sans Regular"/>
-              </a:rPr>
-              <a:t>đến</a:t>
-            </a:r>
-            <a:r>
-              <a:rPr lang="vi-VN" sz="2400" dirty="0">
-                <a:solidFill>
-                  <a:srgbClr val="2B4B82"/>
-                </a:solidFill>
-                <a:latin typeface="Josefin Sans Regular"/>
-              </a:rPr>
-              <a:t> </a:t>
-            </a:r>
-            <a:r>
-              <a:rPr lang="vi-VN" sz="2400" dirty="0" err="1">
-                <a:solidFill>
-                  <a:srgbClr val="2B4B82"/>
-                </a:solidFill>
-                <a:latin typeface="Josefin Sans Regular"/>
-              </a:rPr>
-              <a:t>các</a:t>
-            </a:r>
-            <a:r>
-              <a:rPr lang="vi-VN" sz="2400" dirty="0">
-                <a:solidFill>
-                  <a:srgbClr val="2B4B82"/>
-                </a:solidFill>
-                <a:latin typeface="Josefin Sans Regular"/>
-              </a:rPr>
-              <a:t> </a:t>
-            </a:r>
-            <a:r>
-              <a:rPr lang="vi-VN" sz="2400" dirty="0" err="1">
-                <a:solidFill>
-                  <a:srgbClr val="2B4B82"/>
-                </a:solidFill>
-                <a:latin typeface="Josefin Sans Regular"/>
-              </a:rPr>
-              <a:t>lớp</a:t>
-            </a:r>
-            <a:r>
-              <a:rPr lang="vi-VN" sz="2400" dirty="0">
-                <a:solidFill>
-                  <a:srgbClr val="2B4B82"/>
-                </a:solidFill>
-                <a:latin typeface="Josefin Sans Regular"/>
-              </a:rPr>
-              <a:t> </a:t>
-            </a:r>
-            <a:r>
-              <a:rPr lang="vi-VN" sz="2400" dirty="0" err="1">
-                <a:solidFill>
-                  <a:srgbClr val="2B4B82"/>
-                </a:solidFill>
-                <a:latin typeface="Josefin Sans Regular"/>
-              </a:rPr>
-              <a:t>trừu</a:t>
-            </a:r>
-            <a:r>
-              <a:rPr lang="vi-VN" sz="2400" dirty="0">
-                <a:solidFill>
-                  <a:srgbClr val="2B4B82"/>
-                </a:solidFill>
-                <a:latin typeface="Josefin Sans Regular"/>
-              </a:rPr>
-              <a:t> </a:t>
-            </a:r>
-            <a:r>
-              <a:rPr lang="vi-VN" sz="2400" dirty="0" err="1">
-                <a:solidFill>
-                  <a:srgbClr val="2B4B82"/>
-                </a:solidFill>
-                <a:latin typeface="Josefin Sans Regular"/>
-              </a:rPr>
-              <a:t>tượng</a:t>
-            </a:r>
-            <a:endParaRPr lang="en-US" sz="2400" dirty="0">
-              <a:solidFill>
-                <a:srgbClr val="2B4B82"/>
-              </a:solidFill>
-              <a:latin typeface="Josefin Sans Regular"/>
-            </a:endParaRPr>
+              <a:t>.</a:t>
+            </a:r>
           </a:p>
         </p:txBody>
       </p:sp>
@@ -11635,22 +11666,76 @@
                 <a:t> </a:t>
               </a:r>
               <a:r>
+                <a:rPr lang="vi-VN" sz="2825" dirty="0">
+                  <a:solidFill>
+                    <a:srgbClr val="92D050"/>
+                  </a:solidFill>
+                  <a:latin typeface="Josefin Sans Regular Light"/>
+                </a:rPr>
+                <a:t>&lt;</a:t>
+              </a:r>
+              <a:r>
+                <a:rPr lang="vi-VN" sz="2825" dirty="0" err="1">
+                  <a:solidFill>
+                    <a:srgbClr val="92D050"/>
+                  </a:solidFill>
+                  <a:latin typeface="Josefin Sans Regular Light"/>
+                </a:rPr>
+                <a:t>Kiểu</a:t>
+              </a:r>
+              <a:r>
+                <a:rPr lang="vi-VN" sz="2825" dirty="0">
+                  <a:solidFill>
+                    <a:srgbClr val="92D050"/>
+                  </a:solidFill>
+                  <a:latin typeface="Josefin Sans Regular Light"/>
+                </a:rPr>
+                <a:t> </a:t>
+              </a:r>
+              <a:r>
+                <a:rPr lang="vi-VN" sz="2825" dirty="0" err="1">
+                  <a:solidFill>
+                    <a:srgbClr val="92D050"/>
+                  </a:solidFill>
+                  <a:latin typeface="Josefin Sans Regular Light"/>
+                </a:rPr>
+                <a:t>dữ</a:t>
+              </a:r>
+              <a:r>
+                <a:rPr lang="vi-VN" sz="2825" dirty="0">
+                  <a:solidFill>
+                    <a:srgbClr val="92D050"/>
+                  </a:solidFill>
+                  <a:latin typeface="Josefin Sans Regular Light"/>
+                </a:rPr>
+                <a:t> </a:t>
+              </a:r>
+              <a:r>
+                <a:rPr lang="vi-VN" sz="2825" dirty="0" err="1">
+                  <a:solidFill>
+                    <a:srgbClr val="92D050"/>
+                  </a:solidFill>
+                  <a:latin typeface="Josefin Sans Regular Light"/>
+                </a:rPr>
+                <a:t>liệu</a:t>
+              </a:r>
+              <a:r>
+                <a:rPr lang="vi-VN" sz="2825" dirty="0">
+                  <a:solidFill>
+                    <a:srgbClr val="92D050"/>
+                  </a:solidFill>
+                  <a:latin typeface="Josefin Sans Regular Light"/>
+                </a:rPr>
+                <a:t>&gt; </a:t>
+              </a:r>
+              <a:r>
                 <a:rPr lang="en-US" sz="2825" dirty="0">
                   <a:solidFill>
                     <a:srgbClr val="92D050"/>
                   </a:solidFill>
-                  <a:latin typeface="Josefin Sans Regular Bold"/>
-                </a:rPr>
-                <a:t>void</a:t>
-              </a:r>
-              <a:r>
-                <a:rPr lang="en-US" sz="2825" dirty="0">
-                  <a:solidFill>
-                    <a:srgbClr val="92D050"/>
-                  </a:solidFill>
                   <a:latin typeface="Josefin Sans Regular Light"/>
                 </a:rPr>
-                <a:t> &lt;</a:t>
+                <a:t>&lt;</a:t>
               </a:r>
               <a:r>
                 <a:rPr lang="en-US" sz="2825" dirty="0" err="1">
@@ -12149,4 +12234,299 @@
   <a:objectDefaults/>
   <a:extraClrSchemeLst/>
 </a:theme>
+</file>
+
+<file path=ppt/theme/theme2.xml><?xml version="1.0" encoding="utf-8"?>
+<a:theme xmlns:a="http://schemas.openxmlformats.org/drawingml/2006/main" name="Office Theme">
+  <a:themeElements>
+    <a:clrScheme name="Office">
+      <a:dk1>
+        <a:sysClr val="windowText" lastClr="000000"/>
+      </a:dk1>
+      <a:lt1>
+        <a:sysClr val="window" lastClr="FFFFFF"/>
+      </a:lt1>
+      <a:dk2>
+        <a:srgbClr val="44546A"/>
+      </a:dk2>
+      <a:lt2>
+        <a:srgbClr val="E7E6E6"/>
+      </a:lt2>
+      <a:accent1>
+        <a:srgbClr val="4472C4"/>
+      </a:accent1>
+      <a:accent2>
+        <a:srgbClr val="ED7D31"/>
+      </a:accent2>
+      <a:accent3>
+        <a:srgbClr val="A5A5A5"/>
+      </a:accent3>
+      <a:accent4>
+        <a:srgbClr val="FFC000"/>
+      </a:accent4>
+      <a:accent5>
+        <a:srgbClr val="5B9BD5"/>
+      </a:accent5>
+      <a:accent6>
+        <a:srgbClr val="70AD47"/>
+      </a:accent6>
+      <a:hlink>
+        <a:srgbClr val="0563C1"/>
+      </a:hlink>
+      <a:folHlink>
+        <a:srgbClr val="954F72"/>
+      </a:folHlink>
+    </a:clrScheme>
+    <a:fontScheme name="Office">
+      <a:majorFont>
+        <a:latin typeface="Calibri Light" panose="020F0302020204030204"/>
+        <a:ea typeface=""/>
+        <a:cs typeface=""/>
+        <a:font script="Jpan" typeface="游ゴシック Light"/>
+        <a:font script="Hang" typeface="맑은 고딕"/>
+        <a:font script="Hans" typeface="等线 Light"/>
+        <a:font script="Hant" typeface="新細明體"/>
+        <a:font script="Arab" typeface="Times New Roman"/>
+        <a:font script="Hebr" typeface="Times New Roman"/>
+        <a:font script="Thai" typeface="Angsana New"/>
+        <a:font script="Ethi" typeface="Nyala"/>
+        <a:font script="Beng" typeface="Vrinda"/>
+        <a:font script="Gujr" typeface="Shruti"/>
+        <a:font script="Khmr" typeface="MoolBoran"/>
+        <a:font script="Knda" typeface="Tunga"/>
+        <a:font script="Guru" typeface="Raavi"/>
+        <a:font script="Cans" typeface="Euphemia"/>
+        <a:font script="Cher" typeface="Plantagenet Cherokee"/>
+        <a:font script="Yiii" typeface="Microsoft Yi Baiti"/>
+        <a:font script="Tibt" typeface="Microsoft Himalaya"/>
+        <a:font script="Thaa" typeface="MV Boli"/>
+        <a:font script="Deva" typeface="Mangal"/>
+        <a:font script="Telu" typeface="Gautami"/>
+        <a:font script="Taml" typeface="Latha"/>
+        <a:font script="Syrc" typeface="Estrangelo Edessa"/>
+        <a:font script="Orya" typeface="Kalinga"/>
+        <a:font script="Mlym" typeface="Kartika"/>
+        <a:font script="Laoo" typeface="DokChampa"/>
+        <a:font script="Sinh" typeface="Iskoola Pota"/>
+        <a:font script="Mong" typeface="Mongolian Baiti"/>
+        <a:font script="Viet" typeface="Times New Roman"/>
+        <a:font script="Uigh" typeface="Microsoft Uighur"/>
+        <a:font script="Geor" typeface="Sylfaen"/>
+        <a:font script="Armn" typeface="Arial"/>
+        <a:font script="Bugi" typeface="Leelawadee UI"/>
+        <a:font script="Bopo" typeface="Microsoft JhengHei"/>
+        <a:font script="Java" typeface="Javanese Text"/>
+        <a:font script="Lisu" typeface="Segoe UI"/>
+        <a:font script="Mymr" typeface="Myanmar Text"/>
+        <a:font script="Nkoo" typeface="Ebrima"/>
+        <a:font script="Olck" typeface="Nirmala UI"/>
+        <a:font script="Osma" typeface="Ebrima"/>
+        <a:font script="Phag" typeface="Phagspa"/>
+        <a:font script="Syrn" typeface="Estrangelo Edessa"/>
+        <a:font script="Syrj" typeface="Estrangelo Edessa"/>
+        <a:font script="Syre" typeface="Estrangelo Edessa"/>
+        <a:font script="Sora" typeface="Nirmala UI"/>
+        <a:font script="Tale" typeface="Microsoft Tai Le"/>
+        <a:font script="Talu" typeface="Microsoft New Tai Lue"/>
+        <a:font script="Tfng" typeface="Ebrima"/>
+      </a:majorFont>
+      <a:minorFont>
+        <a:latin typeface="Calibri" panose="020F0502020204030204"/>
+        <a:ea typeface=""/>
+        <a:cs typeface=""/>
+        <a:font script="Jpan" typeface="游ゴシック"/>
+        <a:font script="Hang" typeface="맑은 고딕"/>
+        <a:font script="Hans" typeface="等线"/>
+        <a:font script="Hant" typeface="新細明體"/>
+        <a:font script="Arab" typeface="Arial"/>
+        <a:font script="Hebr" typeface="Arial"/>
+        <a:font script="Thai" typeface="Cordia New"/>
+        <a:font script="Ethi" typeface="Nyala"/>
+        <a:font script="Beng" typeface="Vrinda"/>
+        <a:font script="Gujr" typeface="Shruti"/>
+        <a:font script="Khmr" typeface="DaunPenh"/>
+        <a:font script="Knda" typeface="Tunga"/>
+        <a:font script="Guru" typeface="Raavi"/>
+        <a:font script="Cans" typeface="Euphemia"/>
+        <a:font script="Cher" typeface="Plantagenet Cherokee"/>
+        <a:font script="Yiii" typeface="Microsoft Yi Baiti"/>
+        <a:font script="Tibt" typeface="Microsoft Himalaya"/>
+        <a:font script="Thaa" typeface="MV Boli"/>
+        <a:font script="Deva" typeface="Mangal"/>
+        <a:font script="Telu" typeface="Gautami"/>
+        <a:font script="Taml" typeface="Latha"/>
+        <a:font script="Syrc" typeface="Estrangelo Edessa"/>
+        <a:font script="Orya" typeface="Kalinga"/>
+        <a:font script="Mlym" typeface="Kartika"/>
+        <a:font script="Laoo" typeface="DokChampa"/>
+        <a:font script="Sinh" typeface="Iskoola Pota"/>
+        <a:font script="Mong" typeface="Mongolian Baiti"/>
+        <a:font script="Viet" typeface="Arial"/>
+        <a:font script="Uigh" typeface="Microsoft Uighur"/>
+        <a:font script="Geor" typeface="Sylfaen"/>
+        <a:font script="Armn" typeface="Arial"/>
+        <a:font script="Bugi" typeface="Leelawadee UI"/>
+        <a:font script="Bopo" typeface="Microsoft JhengHei"/>
+        <a:font script="Java" typeface="Javanese Text"/>
+        <a:font script="Lisu" typeface="Segoe UI"/>
+        <a:font script="Mymr" typeface="Myanmar Text"/>
+        <a:font script="Nkoo" typeface="Ebrima"/>
+        <a:font script="Olck" typeface="Nirmala UI"/>
+        <a:font script="Osma" typeface="Ebrima"/>
+        <a:font script="Phag" typeface="Phagspa"/>
+        <a:font script="Syrn" typeface="Estrangelo Edessa"/>
+        <a:font script="Syrj" typeface="Estrangelo Edessa"/>
+        <a:font script="Syre" typeface="Estrangelo Edessa"/>
+        <a:font script="Sora" typeface="Nirmala UI"/>
+        <a:font script="Tale" typeface="Microsoft Tai Le"/>
+        <a:font script="Talu" typeface="Microsoft New Tai Lue"/>
+        <a:font script="Tfng" typeface="Ebrima"/>
+      </a:minorFont>
+    </a:fontScheme>
+    <a:fmtScheme name="Office">
+      <a:fillStyleLst>
+        <a:solidFill>
+          <a:schemeClr val="phClr"/>
+        </a:solidFill>
+        <a:gradFill rotWithShape="1">
+          <a:gsLst>
+            <a:gs pos="0">
+              <a:schemeClr val="phClr">
+                <a:lumMod val="110000"/>
+                <a:satMod val="105000"/>
+                <a:tint val="67000"/>
+              </a:schemeClr>
+            </a:gs>
+            <a:gs pos="50000">
+              <a:schemeClr val="phClr">
+                <a:lumMod val="105000"/>
+                <a:satMod val="103000"/>
+                <a:tint val="73000"/>
+              </a:schemeClr>
+            </a:gs>
+            <a:gs pos="100000">
+              <a:schemeClr val="phClr">
+                <a:lumMod val="105000"/>
+                <a:satMod val="109000"/>
+                <a:tint val="81000"/>
+              </a:schemeClr>
+            </a:gs>
+          </a:gsLst>
+          <a:lin ang="5400000" scaled="0"/>
+        </a:gradFill>
+        <a:gradFill rotWithShape="1">
+          <a:gsLst>
+            <a:gs pos="0">
+              <a:schemeClr val="phClr">
+                <a:satMod val="103000"/>
+                <a:lumMod val="102000"/>
+                <a:tint val="94000"/>
+              </a:schemeClr>
+            </a:gs>
+            <a:gs pos="50000">
+              <a:schemeClr val="phClr">
+                <a:satMod val="110000"/>
+                <a:lumMod val="100000"/>
+                <a:shade val="100000"/>
+              </a:schemeClr>
+            </a:gs>
+            <a:gs pos="100000">
+              <a:schemeClr val="phClr">
+                <a:lumMod val="99000"/>
+                <a:satMod val="120000"/>
+                <a:shade val="78000"/>
+              </a:schemeClr>
+            </a:gs>
+          </a:gsLst>
+          <a:lin ang="5400000" scaled="0"/>
+        </a:gradFill>
+      </a:fillStyleLst>
+      <a:lnStyleLst>
+        <a:ln w="6350" cap="flat" cmpd="sng" algn="ctr">
+          <a:solidFill>
+            <a:schemeClr val="phClr"/>
+          </a:solidFill>
+          <a:prstDash val="solid"/>
+          <a:miter lim="800000"/>
+        </a:ln>
+        <a:ln w="12700" cap="flat" cmpd="sng" algn="ctr">
+          <a:solidFill>
+            <a:schemeClr val="phClr"/>
+          </a:solidFill>
+          <a:prstDash val="solid"/>
+          <a:miter lim="800000"/>
+        </a:ln>
+        <a:ln w="19050" cap="flat" cmpd="sng" algn="ctr">
+          <a:solidFill>
+            <a:schemeClr val="phClr"/>
+          </a:solidFill>
+          <a:prstDash val="solid"/>
+          <a:miter lim="800000"/>
+        </a:ln>
+      </a:lnStyleLst>
+      <a:effectStyleLst>
+        <a:effectStyle>
+          <a:effectLst/>
+        </a:effectStyle>
+        <a:effectStyle>
+          <a:effectLst/>
+        </a:effectStyle>
+        <a:effectStyle>
+          <a:effectLst>
+            <a:outerShdw blurRad="57150" dist="19050" dir="5400000" algn="ctr" rotWithShape="0">
+              <a:srgbClr val="000000">
+                <a:alpha val="63000"/>
+              </a:srgbClr>
+            </a:outerShdw>
+          </a:effectLst>
+        </a:effectStyle>
+      </a:effectStyleLst>
+      <a:bgFillStyleLst>
+        <a:solidFill>
+          <a:schemeClr val="phClr"/>
+        </a:solidFill>
+        <a:solidFill>
+          <a:schemeClr val="phClr">
+            <a:tint val="95000"/>
+            <a:satMod val="170000"/>
+          </a:schemeClr>
+        </a:solidFill>
+        <a:gradFill rotWithShape="1">
+          <a:gsLst>
+            <a:gs pos="0">
+              <a:schemeClr val="phClr">
+                <a:tint val="93000"/>
+                <a:satMod val="150000"/>
+                <a:shade val="98000"/>
+                <a:lumMod val="102000"/>
+              </a:schemeClr>
+            </a:gs>
+            <a:gs pos="50000">
+              <a:schemeClr val="phClr">
+                <a:tint val="98000"/>
+                <a:satMod val="130000"/>
+                <a:shade val="90000"/>
+                <a:lumMod val="103000"/>
+              </a:schemeClr>
+            </a:gs>
+            <a:gs pos="100000">
+              <a:schemeClr val="phClr">
+                <a:shade val="63000"/>
+                <a:satMod val="120000"/>
+              </a:schemeClr>
+            </a:gs>
+          </a:gsLst>
+          <a:lin ang="5400000" scaled="0"/>
+        </a:gradFill>
+      </a:bgFillStyleLst>
+    </a:fmtScheme>
+  </a:themeElements>
+  <a:objectDefaults/>
+  <a:extraClrSchemeLst/>
+  <a:extLst>
+    <a:ext uri="{05A4C25C-085E-4340-85A3-A5531E510DB2}">
+      <thm15:themeFamily xmlns:thm15="http://schemas.microsoft.com/office/thememl/2012/main" name="Office Theme" id="{62F939B6-93AF-4DB8-9C6B-D6C7DFDC589F}" vid="{4A3C46E8-61CC-4603-A589-7422A47A8E4A}"/>
+    </a:ext>
+  </a:extLst>
+</a:theme>
 </file>
--- a/Documents/Lab8/N7_Abstract_class.pptx
+++ b/Documents/Lab8/N7_Abstract_class.pptx
@@ -162,7 +162,7 @@
 <file path=ppt/revisionInfo.xml><?xml version="1.0" encoding="utf-8"?>
 <p1510:revInfo xmlns:a="http://schemas.openxmlformats.org/drawingml/2006/main" xmlns:r="http://schemas.openxmlformats.org/officeDocument/2006/relationships" xmlns:p1510="http://schemas.microsoft.com/office/powerpoint/2015/10/main">
   <p1510:revLst>
-    <p1510:client id="{2920C6CB-92AD-4823-B353-AE4B390FA851}" v="19" dt="2022-04-21T01:11:16.150"/>
+    <p1510:client id="{2920C6CB-92AD-4823-B353-AE4B390FA851}" v="20" dt="2022-04-21T02:01:02.895"/>
   </p1510:revLst>
 </p1510:revInfo>
 </file>
@@ -172,7 +172,7 @@
   <pc:docChgLst>
     <pc:chgData name="Trong Tinh Vo" userId="f698301ebf0935c2" providerId="LiveId" clId="{2920C6CB-92AD-4823-B353-AE4B390FA851}"/>
     <pc:docChg chg="undo custSel modSld">
-      <pc:chgData name="Trong Tinh Vo" userId="f698301ebf0935c2" providerId="LiveId" clId="{2920C6CB-92AD-4823-B353-AE4B390FA851}" dt="2022-04-21T01:24:30.912" v="1187" actId="1076"/>
+      <pc:chgData name="Trong Tinh Vo" userId="f698301ebf0935c2" providerId="LiveId" clId="{2920C6CB-92AD-4823-B353-AE4B390FA851}" dt="2022-04-21T02:09:08.707" v="1298" actId="14100"/>
       <pc:docMkLst>
         <pc:docMk/>
       </pc:docMkLst>
@@ -447,19 +447,139 @@
           </ac:spMkLst>
         </pc:spChg>
       </pc:sldChg>
-      <pc:sldChg chg="modTransition">
-        <pc:chgData name="Trong Tinh Vo" userId="f698301ebf0935c2" providerId="LiveId" clId="{2920C6CB-92AD-4823-B353-AE4B390FA851}" dt="2022-04-14T02:28:25.701" v="804"/>
+      <pc:sldChg chg="addSp delSp modSp mod modTransition">
+        <pc:chgData name="Trong Tinh Vo" userId="f698301ebf0935c2" providerId="LiveId" clId="{2920C6CB-92AD-4823-B353-AE4B390FA851}" dt="2022-04-21T02:08:32.392" v="1292" actId="14100"/>
         <pc:sldMkLst>
           <pc:docMk/>
           <pc:sldMk cId="0" sldId="265"/>
         </pc:sldMkLst>
+        <pc:spChg chg="mod">
+          <ac:chgData name="Trong Tinh Vo" userId="f698301ebf0935c2" providerId="LiveId" clId="{2920C6CB-92AD-4823-B353-AE4B390FA851}" dt="2022-04-21T01:58:18.177" v="1231" actId="1035"/>
+          <ac:spMkLst>
+            <pc:docMk/>
+            <pc:sldMk cId="0" sldId="265"/>
+            <ac:spMk id="7" creationId="{00000000-0000-0000-0000-000000000000}"/>
+          </ac:spMkLst>
+        </pc:spChg>
+        <pc:spChg chg="mod">
+          <ac:chgData name="Trong Tinh Vo" userId="f698301ebf0935c2" providerId="LiveId" clId="{2920C6CB-92AD-4823-B353-AE4B390FA851}" dt="2022-04-21T01:58:18.177" v="1231" actId="1035"/>
+          <ac:spMkLst>
+            <pc:docMk/>
+            <pc:sldMk cId="0" sldId="265"/>
+            <ac:spMk id="8" creationId="{00000000-0000-0000-0000-000000000000}"/>
+          </ac:spMkLst>
+        </pc:spChg>
+        <pc:spChg chg="del mod">
+          <ac:chgData name="Trong Tinh Vo" userId="f698301ebf0935c2" providerId="LiveId" clId="{2920C6CB-92AD-4823-B353-AE4B390FA851}" dt="2022-04-21T01:57:15.307" v="1212" actId="478"/>
+          <ac:spMkLst>
+            <pc:docMk/>
+            <pc:sldMk cId="0" sldId="265"/>
+            <ac:spMk id="9" creationId="{00000000-0000-0000-0000-000000000000}"/>
+          </ac:spMkLst>
+        </pc:spChg>
+        <pc:spChg chg="add mod">
+          <ac:chgData name="Trong Tinh Vo" userId="f698301ebf0935c2" providerId="LiveId" clId="{2920C6CB-92AD-4823-B353-AE4B390FA851}" dt="2022-04-21T02:01:14.538" v="1252" actId="20577"/>
+          <ac:spMkLst>
+            <pc:docMk/>
+            <pc:sldMk cId="0" sldId="265"/>
+            <ac:spMk id="18" creationId="{A104C884-5EAF-4270-85E3-161B2EC7CDF9}"/>
+          </ac:spMkLst>
+        </pc:spChg>
+        <pc:picChg chg="del">
+          <ac:chgData name="Trong Tinh Vo" userId="f698301ebf0935c2" providerId="LiveId" clId="{2920C6CB-92AD-4823-B353-AE4B390FA851}" dt="2022-04-21T01:56:07.394" v="1189" actId="478"/>
+          <ac:picMkLst>
+            <pc:docMk/>
+            <pc:sldMk cId="0" sldId="265"/>
+            <ac:picMk id="2" creationId="{00000000-0000-0000-0000-000000000000}"/>
+          </ac:picMkLst>
+        </pc:picChg>
+        <pc:picChg chg="del mod">
+          <ac:chgData name="Trong Tinh Vo" userId="f698301ebf0935c2" providerId="LiveId" clId="{2920C6CB-92AD-4823-B353-AE4B390FA851}" dt="2022-04-21T01:56:13.406" v="1192" actId="478"/>
+          <ac:picMkLst>
+            <pc:docMk/>
+            <pc:sldMk cId="0" sldId="265"/>
+            <ac:picMk id="3" creationId="{00000000-0000-0000-0000-000000000000}"/>
+          </ac:picMkLst>
+        </pc:picChg>
+        <pc:picChg chg="del">
+          <ac:chgData name="Trong Tinh Vo" userId="f698301ebf0935c2" providerId="LiveId" clId="{2920C6CB-92AD-4823-B353-AE4B390FA851}" dt="2022-04-21T01:56:14.017" v="1193" actId="478"/>
+          <ac:picMkLst>
+            <pc:docMk/>
+            <pc:sldMk cId="0" sldId="265"/>
+            <ac:picMk id="4" creationId="{00000000-0000-0000-0000-000000000000}"/>
+          </ac:picMkLst>
+        </pc:picChg>
+        <pc:picChg chg="del mod">
+          <ac:chgData name="Trong Tinh Vo" userId="f698301ebf0935c2" providerId="LiveId" clId="{2920C6CB-92AD-4823-B353-AE4B390FA851}" dt="2022-04-21T01:57:18.742" v="1214" actId="478"/>
+          <ac:picMkLst>
+            <pc:docMk/>
+            <pc:sldMk cId="0" sldId="265"/>
+            <ac:picMk id="5" creationId="{00000000-0000-0000-0000-000000000000}"/>
+          </ac:picMkLst>
+        </pc:picChg>
+        <pc:picChg chg="add mod">
+          <ac:chgData name="Trong Tinh Vo" userId="f698301ebf0935c2" providerId="LiveId" clId="{2920C6CB-92AD-4823-B353-AE4B390FA851}" dt="2022-04-21T01:56:29.472" v="1199" actId="14100"/>
+          <ac:picMkLst>
+            <pc:docMk/>
+            <pc:sldMk cId="0" sldId="265"/>
+            <ac:picMk id="11" creationId="{BF072A7D-4DE2-4A59-A134-2AB400590605}"/>
+          </ac:picMkLst>
+        </pc:picChg>
+        <pc:picChg chg="add del mod">
+          <ac:chgData name="Trong Tinh Vo" userId="f698301ebf0935c2" providerId="LiveId" clId="{2920C6CB-92AD-4823-B353-AE4B390FA851}" dt="2022-04-21T02:08:25.883" v="1289" actId="478"/>
+          <ac:picMkLst>
+            <pc:docMk/>
+            <pc:sldMk cId="0" sldId="265"/>
+            <ac:picMk id="13" creationId="{35B92F79-3DC5-4ED8-BDB1-EDA34E12A970}"/>
+          </ac:picMkLst>
+        </pc:picChg>
+        <pc:picChg chg="add del mod">
+          <ac:chgData name="Trong Tinh Vo" userId="f698301ebf0935c2" providerId="LiveId" clId="{2920C6CB-92AD-4823-B353-AE4B390FA851}" dt="2022-04-21T02:01:43.512" v="1253" actId="478"/>
+          <ac:picMkLst>
+            <pc:docMk/>
+            <pc:sldMk cId="0" sldId="265"/>
+            <ac:picMk id="15" creationId="{FAB4CE5C-98DD-4315-8623-8F6E29A55EEE}"/>
+          </ac:picMkLst>
+        </pc:picChg>
+        <pc:picChg chg="add mod">
+          <ac:chgData name="Trong Tinh Vo" userId="f698301ebf0935c2" providerId="LiveId" clId="{2920C6CB-92AD-4823-B353-AE4B390FA851}" dt="2022-04-21T02:00:58.379" v="1234" actId="14100"/>
+          <ac:picMkLst>
+            <pc:docMk/>
+            <pc:sldMk cId="0" sldId="265"/>
+            <ac:picMk id="17" creationId="{325C2EC8-EF3F-43B6-8685-B0805DB20827}"/>
+          </ac:picMkLst>
+        </pc:picChg>
+        <pc:picChg chg="add mod">
+          <ac:chgData name="Trong Tinh Vo" userId="f698301ebf0935c2" providerId="LiveId" clId="{2920C6CB-92AD-4823-B353-AE4B390FA851}" dt="2022-04-21T02:01:53.189" v="1256" actId="14100"/>
+          <ac:picMkLst>
+            <pc:docMk/>
+            <pc:sldMk cId="0" sldId="265"/>
+            <ac:picMk id="20" creationId="{C6517B29-C9F8-48BF-9F7C-59569D5F9120}"/>
+          </ac:picMkLst>
+        </pc:picChg>
+        <pc:picChg chg="add mod">
+          <ac:chgData name="Trong Tinh Vo" userId="f698301ebf0935c2" providerId="LiveId" clId="{2920C6CB-92AD-4823-B353-AE4B390FA851}" dt="2022-04-21T02:08:32.392" v="1292" actId="14100"/>
+          <ac:picMkLst>
+            <pc:docMk/>
+            <pc:sldMk cId="0" sldId="265"/>
+            <ac:picMk id="22" creationId="{F161C94A-D834-4742-8E55-BF3AF7EFB041}"/>
+          </ac:picMkLst>
+        </pc:picChg>
       </pc:sldChg>
-      <pc:sldChg chg="modSp mod modTransition">
-        <pc:chgData name="Trong Tinh Vo" userId="f698301ebf0935c2" providerId="LiveId" clId="{2920C6CB-92AD-4823-B353-AE4B390FA851}" dt="2022-04-14T02:28:25.701" v="804"/>
+      <pc:sldChg chg="addSp delSp modSp mod modTransition">
+        <pc:chgData name="Trong Tinh Vo" userId="f698301ebf0935c2" providerId="LiveId" clId="{2920C6CB-92AD-4823-B353-AE4B390FA851}" dt="2022-04-21T02:09:08.707" v="1298" actId="14100"/>
         <pc:sldMkLst>
           <pc:docMk/>
           <pc:sldMk cId="0" sldId="266"/>
         </pc:sldMkLst>
+        <pc:spChg chg="mod">
+          <ac:chgData name="Trong Tinh Vo" userId="f698301ebf0935c2" providerId="LiveId" clId="{2920C6CB-92AD-4823-B353-AE4B390FA851}" dt="2022-04-21T02:03:56.541" v="1268" actId="1076"/>
+          <ac:spMkLst>
+            <pc:docMk/>
+            <pc:sldMk cId="0" sldId="266"/>
+            <ac:spMk id="9" creationId="{00000000-0000-0000-0000-000000000000}"/>
+          </ac:spMkLst>
+        </pc:spChg>
         <pc:spChg chg="mod">
           <ac:chgData name="Trong Tinh Vo" userId="f698301ebf0935c2" providerId="LiveId" clId="{2920C6CB-92AD-4823-B353-AE4B390FA851}" dt="2022-04-06T13:11:10.936" v="61" actId="20577"/>
           <ac:spMkLst>
@@ -468,6 +588,70 @@
             <ac:spMk id="12" creationId="{00000000-0000-0000-0000-000000000000}"/>
           </ac:spMkLst>
         </pc:spChg>
+        <pc:grpChg chg="mod">
+          <ac:chgData name="Trong Tinh Vo" userId="f698301ebf0935c2" providerId="LiveId" clId="{2920C6CB-92AD-4823-B353-AE4B390FA851}" dt="2022-04-21T02:02:16.919" v="1257" actId="1076"/>
+          <ac:grpSpMkLst>
+            <pc:docMk/>
+            <pc:sldMk cId="0" sldId="266"/>
+            <ac:grpSpMk id="8" creationId="{00000000-0000-0000-0000-000000000000}"/>
+          </ac:grpSpMkLst>
+        </pc:grpChg>
+        <pc:picChg chg="del mod">
+          <ac:chgData name="Trong Tinh Vo" userId="f698301ebf0935c2" providerId="LiveId" clId="{2920C6CB-92AD-4823-B353-AE4B390FA851}" dt="2022-04-21T02:03:12.972" v="1261" actId="478"/>
+          <ac:picMkLst>
+            <pc:docMk/>
+            <pc:sldMk cId="0" sldId="266"/>
+            <ac:picMk id="2" creationId="{00000000-0000-0000-0000-000000000000}"/>
+          </ac:picMkLst>
+        </pc:picChg>
+        <pc:picChg chg="del mod">
+          <ac:chgData name="Trong Tinh Vo" userId="f698301ebf0935c2" providerId="LiveId" clId="{2920C6CB-92AD-4823-B353-AE4B390FA851}" dt="2022-04-21T02:05:37.680" v="1272" actId="478"/>
+          <ac:picMkLst>
+            <pc:docMk/>
+            <pc:sldMk cId="0" sldId="266"/>
+            <ac:picMk id="3" creationId="{00000000-0000-0000-0000-000000000000}"/>
+          </ac:picMkLst>
+        </pc:picChg>
+        <pc:picChg chg="add del mod">
+          <ac:chgData name="Trong Tinh Vo" userId="f698301ebf0935c2" providerId="LiveId" clId="{2920C6CB-92AD-4823-B353-AE4B390FA851}" dt="2022-04-21T02:08:51.593" v="1293" actId="478"/>
+          <ac:picMkLst>
+            <pc:docMk/>
+            <pc:sldMk cId="0" sldId="266"/>
+            <ac:picMk id="15" creationId="{672F4B1A-5902-47D3-920E-E962EA51D46E}"/>
+          </ac:picMkLst>
+        </pc:picChg>
+        <pc:picChg chg="add mod">
+          <ac:chgData name="Trong Tinh Vo" userId="f698301ebf0935c2" providerId="LiveId" clId="{2920C6CB-92AD-4823-B353-AE4B390FA851}" dt="2022-04-21T02:06:22.431" v="1286" actId="14100"/>
+          <ac:picMkLst>
+            <pc:docMk/>
+            <pc:sldMk cId="0" sldId="266"/>
+            <ac:picMk id="17" creationId="{4BCA72FD-33F7-45D0-9107-7CA29DDD7786}"/>
+          </ac:picMkLst>
+        </pc:picChg>
+        <pc:picChg chg="add mod">
+          <ac:chgData name="Trong Tinh Vo" userId="f698301ebf0935c2" providerId="LiveId" clId="{2920C6CB-92AD-4823-B353-AE4B390FA851}" dt="2022-04-21T02:06:00.644" v="1281" actId="1076"/>
+          <ac:picMkLst>
+            <pc:docMk/>
+            <pc:sldMk cId="0" sldId="266"/>
+            <ac:picMk id="19" creationId="{443F0A44-1D6F-4DC7-9906-A01FD99D2644}"/>
+          </ac:picMkLst>
+        </pc:picChg>
+        <pc:picChg chg="add mod">
+          <ac:chgData name="Trong Tinh Vo" userId="f698301ebf0935c2" providerId="LiveId" clId="{2920C6CB-92AD-4823-B353-AE4B390FA851}" dt="2022-04-21T02:06:03.328" v="1282" actId="14100"/>
+          <ac:picMkLst>
+            <pc:docMk/>
+            <pc:sldMk cId="0" sldId="266"/>
+            <ac:picMk id="21" creationId="{AE195A04-D3FC-41AC-B615-B11C6BDA053A}"/>
+          </ac:picMkLst>
+        </pc:picChg>
+        <pc:picChg chg="add mod">
+          <ac:chgData name="Trong Tinh Vo" userId="f698301ebf0935c2" providerId="LiveId" clId="{2920C6CB-92AD-4823-B353-AE4B390FA851}" dt="2022-04-21T02:09:08.707" v="1298" actId="14100"/>
+          <ac:picMkLst>
+            <pc:docMk/>
+            <pc:sldMk cId="0" sldId="266"/>
+            <ac:picMk id="23" creationId="{0CC0AF5B-34CD-4961-BE01-074A5A3B42E4}"/>
+          </ac:picMkLst>
+        </pc:picChg>
       </pc:sldChg>
       <pc:sldChg chg="modTransition">
         <pc:chgData name="Trong Tinh Vo" userId="f698301ebf0935c2" providerId="LiveId" clId="{2920C6CB-92AD-4823-B353-AE4B390FA851}" dt="2022-04-14T02:28:25.701" v="804"/>
@@ -4211,106 +4395,6 @@
           <a:chExt cx="0" cy="0"/>
         </a:xfrm>
       </p:grpSpPr>
-      <p:pic>
-        <p:nvPicPr>
-          <p:cNvPr id="2" name="Picture 2"/>
-          <p:cNvPicPr>
-            <a:picLocks noChangeAspect="1"/>
-          </p:cNvPicPr>
-          <p:nvPr/>
-        </p:nvPicPr>
-        <p:blipFill>
-          <a:blip r:embed="rId2"/>
-          <a:srcRect/>
-          <a:stretch>
-            <a:fillRect/>
-          </a:stretch>
-        </p:blipFill>
-        <p:spPr>
-          <a:xfrm>
-            <a:off x="495049" y="1933702"/>
-            <a:ext cx="8110810" cy="2838075"/>
-          </a:xfrm>
-          <a:prstGeom prst="rect">
-            <a:avLst/>
-          </a:prstGeom>
-        </p:spPr>
-      </p:pic>
-      <p:pic>
-        <p:nvPicPr>
-          <p:cNvPr id="3" name="Picture 3"/>
-          <p:cNvPicPr>
-            <a:picLocks noChangeAspect="1"/>
-          </p:cNvPicPr>
-          <p:nvPr/>
-        </p:nvPicPr>
-        <p:blipFill>
-          <a:blip r:embed="rId3"/>
-          <a:srcRect/>
-          <a:stretch>
-            <a:fillRect/>
-          </a:stretch>
-        </p:blipFill>
-        <p:spPr>
-          <a:xfrm>
-            <a:off x="495049" y="5572723"/>
-            <a:ext cx="8155929" cy="2896847"/>
-          </a:xfrm>
-          <a:prstGeom prst="rect">
-            <a:avLst/>
-          </a:prstGeom>
-        </p:spPr>
-      </p:pic>
-      <p:pic>
-        <p:nvPicPr>
-          <p:cNvPr id="4" name="Picture 4"/>
-          <p:cNvPicPr>
-            <a:picLocks noChangeAspect="1"/>
-          </p:cNvPicPr>
-          <p:nvPr/>
-        </p:nvPicPr>
-        <p:blipFill>
-          <a:blip r:embed="rId4"/>
-          <a:srcRect/>
-          <a:stretch>
-            <a:fillRect/>
-          </a:stretch>
-        </p:blipFill>
-        <p:spPr>
-          <a:xfrm>
-            <a:off x="9413471" y="1933702"/>
-            <a:ext cx="8110810" cy="4405172"/>
-          </a:xfrm>
-          <a:prstGeom prst="rect">
-            <a:avLst/>
-          </a:prstGeom>
-        </p:spPr>
-      </p:pic>
-      <p:pic>
-        <p:nvPicPr>
-          <p:cNvPr id="5" name="Picture 5"/>
-          <p:cNvPicPr>
-            <a:picLocks noChangeAspect="1"/>
-          </p:cNvPicPr>
-          <p:nvPr/>
-        </p:nvPicPr>
-        <p:blipFill>
-          <a:blip r:embed="rId5"/>
-          <a:srcRect t="2019" b="2019"/>
-          <a:stretch>
-            <a:fillRect/>
-          </a:stretch>
-        </p:blipFill>
-        <p:spPr>
-          <a:xfrm>
-            <a:off x="9413471" y="7845769"/>
-            <a:ext cx="4904066" cy="2207316"/>
-          </a:xfrm>
-          <a:prstGeom prst="rect">
-            <a:avLst/>
-          </a:prstGeom>
-        </p:spPr>
-      </p:pic>
       <p:sp>
         <p:nvSpPr>
           <p:cNvPr id="6" name="TextBox 6"/>
@@ -4386,15 +4470,15 @@
         </p:nvSpPr>
         <p:spPr>
           <a:xfrm>
-            <a:off x="495049" y="4718806"/>
-            <a:ext cx="10578305" cy="1650682"/>
+            <a:off x="9413471" y="571500"/>
+            <a:ext cx="5521729" cy="1650682"/>
           </a:xfrm>
           <a:prstGeom prst="rect">
             <a:avLst/>
           </a:prstGeom>
         </p:spPr>
         <p:txBody>
-          <a:bodyPr lIns="0" tIns="0" rIns="0" bIns="0" rtlCol="0" anchor="t">
+          <a:bodyPr wrap="square" lIns="0" tIns="0" rIns="0" bIns="0" rtlCol="0" anchor="t">
             <a:spAutoFit/>
           </a:bodyPr>
           <a:lstStyle/>
@@ -4437,15 +4521,15 @@
         </p:nvSpPr>
         <p:spPr>
           <a:xfrm>
-            <a:off x="9413471" y="1095719"/>
-            <a:ext cx="10578305" cy="1650682"/>
+            <a:off x="9413471" y="4834361"/>
+            <a:ext cx="5369330" cy="1650682"/>
           </a:xfrm>
           <a:prstGeom prst="rect">
             <a:avLst/>
           </a:prstGeom>
         </p:spPr>
         <p:txBody>
-          <a:bodyPr lIns="0" tIns="0" rIns="0" bIns="0" rtlCol="0" anchor="t">
+          <a:bodyPr wrap="square" lIns="0" tIns="0" rIns="0" bIns="0" rtlCol="0" anchor="t">
             <a:spAutoFit/>
           </a:bodyPr>
           <a:lstStyle/>
@@ -4456,7 +4540,7 @@
               </a:lnSpc>
             </a:pPr>
             <a:r>
-              <a:rPr lang="en-US" sz="5025">
+              <a:rPr lang="en-US" sz="5025" dirty="0">
                 <a:solidFill>
                   <a:srgbClr val="F7B4A7"/>
                 </a:solidFill>
@@ -4471,7 +4555,7 @@
                 <a:spcPts val="6532"/>
               </a:lnSpc>
             </a:pPr>
-            <a:endParaRPr lang="en-US" sz="5025">
+            <a:endParaRPr lang="en-US" sz="5025" dirty="0">
               <a:solidFill>
                 <a:srgbClr val="F7B4A7"/>
               </a:solidFill>
@@ -4480,23 +4564,89 @@
           </a:p>
         </p:txBody>
       </p:sp>
+      <p:pic>
+        <p:nvPicPr>
+          <p:cNvPr id="11" name="Picture 10">
+            <a:extLst>
+              <a:ext uri="{FF2B5EF4-FFF2-40B4-BE49-F238E27FC236}">
+                <a16:creationId xmlns:a16="http://schemas.microsoft.com/office/drawing/2014/main" id="{BF072A7D-4DE2-4A59-A134-2AB400590605}"/>
+              </a:ext>
+            </a:extLst>
+          </p:cNvPr>
+          <p:cNvPicPr>
+            <a:picLocks noChangeAspect="1"/>
+          </p:cNvPicPr>
+          <p:nvPr/>
+        </p:nvPicPr>
+        <p:blipFill>
+          <a:blip r:embed="rId2"/>
+          <a:stretch>
+            <a:fillRect/>
+          </a:stretch>
+        </p:blipFill>
+        <p:spPr>
+          <a:xfrm>
+            <a:off x="228600" y="2247900"/>
+            <a:ext cx="6400799" cy="6803840"/>
+          </a:xfrm>
+          <a:prstGeom prst="rect">
+            <a:avLst/>
+          </a:prstGeom>
+        </p:spPr>
+      </p:pic>
+      <p:pic>
+        <p:nvPicPr>
+          <p:cNvPr id="17" name="Picture 16">
+            <a:extLst>
+              <a:ext uri="{FF2B5EF4-FFF2-40B4-BE49-F238E27FC236}">
+                <a16:creationId xmlns:a16="http://schemas.microsoft.com/office/drawing/2014/main" id="{325C2EC8-EF3F-43B6-8685-B0805DB20827}"/>
+              </a:ext>
+            </a:extLst>
+          </p:cNvPr>
+          <p:cNvPicPr>
+            <a:picLocks noChangeAspect="1"/>
+          </p:cNvPicPr>
+          <p:nvPr/>
+        </p:nvPicPr>
+        <p:blipFill>
+          <a:blip r:embed="rId3"/>
+          <a:stretch>
+            <a:fillRect/>
+          </a:stretch>
+        </p:blipFill>
+        <p:spPr>
+          <a:xfrm>
+            <a:off x="9409471" y="8627512"/>
+            <a:ext cx="7481663" cy="936601"/>
+          </a:xfrm>
+          <a:prstGeom prst="rect">
+            <a:avLst/>
+          </a:prstGeom>
+        </p:spPr>
+      </p:pic>
       <p:sp>
         <p:nvSpPr>
-          <p:cNvPr id="9" name="TextBox 9"/>
+          <p:cNvPr id="18" name="TextBox 8">
+            <a:extLst>
+              <a:ext uri="{FF2B5EF4-FFF2-40B4-BE49-F238E27FC236}">
+                <a16:creationId xmlns:a16="http://schemas.microsoft.com/office/drawing/2014/main" id="{A104C884-5EAF-4270-85E3-161B2EC7CDF9}"/>
+              </a:ext>
+            </a:extLst>
+          </p:cNvPr>
           <p:cNvSpPr txBox="1"/>
           <p:nvPr/>
         </p:nvSpPr>
         <p:spPr>
           <a:xfrm>
-            <a:off x="9413471" y="6804388"/>
-            <a:ext cx="10578305" cy="1650682"/>
+            <a:off x="9409471" y="7834337"/>
+            <a:ext cx="5369330" cy="818494"/>
           </a:xfrm>
           <a:prstGeom prst="rect">
             <a:avLst/>
           </a:prstGeom>
         </p:spPr>
         <p:txBody>
-          <a:bodyPr lIns="0" tIns="0" rIns="0" bIns="0" rtlCol="0" anchor="t">
+          <a:bodyPr wrap="square" lIns="0" tIns="0" rIns="0" bIns="0" rtlCol="0" anchor="t">
             <a:spAutoFit/>
           </a:bodyPr>
           <a:lstStyle/>
@@ -4507,7 +4657,7 @@
               </a:lnSpc>
             </a:pPr>
             <a:r>
-              <a:rPr lang="en-US" sz="5025">
+              <a:rPr lang="en-US" sz="5025" dirty="0">
                 <a:solidFill>
                   <a:srgbClr val="F7B4A7"/>
                 </a:solidFill>
@@ -4515,22 +4665,69 @@
               </a:rPr>
               <a:t>Demo</a:t>
             </a:r>
-          </a:p>
-          <a:p>
-            <a:pPr>
-              <a:lnSpc>
-                <a:spcPts val="6532"/>
-              </a:lnSpc>
-            </a:pPr>
-            <a:endParaRPr lang="en-US" sz="5025">
-              <a:solidFill>
-                <a:srgbClr val="F7B4A7"/>
-              </a:solidFill>
-              <a:latin typeface="Josefin Sans Bold"/>
-            </a:endParaRPr>
           </a:p>
         </p:txBody>
       </p:sp>
+      <p:pic>
+        <p:nvPicPr>
+          <p:cNvPr id="20" name="Picture 19">
+            <a:extLst>
+              <a:ext uri="{FF2B5EF4-FFF2-40B4-BE49-F238E27FC236}">
+                <a16:creationId xmlns:a16="http://schemas.microsoft.com/office/drawing/2014/main" id="{C6517B29-C9F8-48BF-9F7C-59569D5F9120}"/>
+              </a:ext>
+            </a:extLst>
+          </p:cNvPr>
+          <p:cNvPicPr>
+            <a:picLocks noChangeAspect="1"/>
+          </p:cNvPicPr>
+          <p:nvPr/>
+        </p:nvPicPr>
+        <p:blipFill>
+          <a:blip r:embed="rId4"/>
+          <a:stretch>
+            <a:fillRect/>
+          </a:stretch>
+        </p:blipFill>
+        <p:spPr>
+          <a:xfrm>
+            <a:off x="9409471" y="5641272"/>
+            <a:ext cx="6419288" cy="2311927"/>
+          </a:xfrm>
+          <a:prstGeom prst="rect">
+            <a:avLst/>
+          </a:prstGeom>
+        </p:spPr>
+      </p:pic>
+      <p:pic>
+        <p:nvPicPr>
+          <p:cNvPr id="22" name="Picture 21">
+            <a:extLst>
+              <a:ext uri="{FF2B5EF4-FFF2-40B4-BE49-F238E27FC236}">
+                <a16:creationId xmlns:a16="http://schemas.microsoft.com/office/drawing/2014/main" id="{F161C94A-D834-4742-8E55-BF3AF7EFB041}"/>
+              </a:ext>
+            </a:extLst>
+          </p:cNvPr>
+          <p:cNvPicPr>
+            <a:picLocks noChangeAspect="1"/>
+          </p:cNvPicPr>
+          <p:nvPr/>
+        </p:nvPicPr>
+        <p:blipFill>
+          <a:blip r:embed="rId5"/>
+          <a:stretch>
+            <a:fillRect/>
+          </a:stretch>
+        </p:blipFill>
+        <p:spPr>
+          <a:xfrm>
+            <a:off x="9409471" y="1413223"/>
+            <a:ext cx="6421369" cy="3526243"/>
+          </a:xfrm>
+          <a:prstGeom prst="rect">
+            <a:avLst/>
+          </a:prstGeom>
+        </p:spPr>
+      </p:pic>
     </p:spTree>
   </p:cSld>
   <p:clrMapOvr>
@@ -4566,7 +4763,7 @@
       </p:grpSpPr>
       <p:pic>
         <p:nvPicPr>
-          <p:cNvPr id="2" name="Picture 2"/>
+          <p:cNvPr id="4" name="Picture 4"/>
           <p:cNvPicPr>
             <a:picLocks noChangeAspect="1"/>
           </p:cNvPicPr>
@@ -4574,56 +4771,6 @@
         </p:nvPicPr>
         <p:blipFill>
           <a:blip r:embed="rId2"/>
-          <a:srcRect/>
-          <a:stretch>
-            <a:fillRect/>
-          </a:stretch>
-        </p:blipFill>
-        <p:spPr>
-          <a:xfrm>
-            <a:off x="8712256" y="3465759"/>
-            <a:ext cx="9094067" cy="1335309"/>
-          </a:xfrm>
-          <a:prstGeom prst="rect">
-            <a:avLst/>
-          </a:prstGeom>
-        </p:spPr>
-      </p:pic>
-      <p:pic>
-        <p:nvPicPr>
-          <p:cNvPr id="3" name="Picture 3"/>
-          <p:cNvPicPr>
-            <a:picLocks noChangeAspect="1"/>
-          </p:cNvPicPr>
-          <p:nvPr/>
-        </p:nvPicPr>
-        <p:blipFill>
-          <a:blip r:embed="rId3"/>
-          <a:srcRect t="1893" b="1893"/>
-          <a:stretch>
-            <a:fillRect/>
-          </a:stretch>
-        </p:blipFill>
-        <p:spPr>
-          <a:xfrm>
-            <a:off x="8712256" y="6755760"/>
-            <a:ext cx="9094067" cy="2664894"/>
-          </a:xfrm>
-          <a:prstGeom prst="rect">
-            <a:avLst/>
-          </a:prstGeom>
-        </p:spPr>
-      </p:pic>
-      <p:pic>
-        <p:nvPicPr>
-          <p:cNvPr id="4" name="Picture 4"/>
-          <p:cNvPicPr>
-            <a:picLocks noChangeAspect="1"/>
-          </p:cNvPicPr>
-          <p:nvPr/>
-        </p:nvPicPr>
-        <p:blipFill>
-          <a:blip r:embed="rId4"/>
           <a:srcRect/>
           <a:stretch>
             <a:fillRect/>
@@ -4746,10 +4893,10 @@
         </p:nvGrpSpPr>
         <p:grpSpPr>
           <a:xfrm>
-            <a:off x="8712256" y="1394747"/>
-            <a:ext cx="7714897" cy="2533552"/>
-            <a:chOff x="0" y="0"/>
-            <a:chExt cx="10286529" cy="3378069"/>
+            <a:off x="8712256" y="177274"/>
+            <a:ext cx="7749310" cy="2886384"/>
+            <a:chOff x="0" y="-450121"/>
+            <a:chExt cx="10332413" cy="3848511"/>
           </a:xfrm>
         </p:grpSpPr>
         <p:sp>
@@ -4760,8 +4907,8 @@
           </p:nvSpPr>
           <p:spPr>
             <a:xfrm>
-              <a:off x="0" y="-57150"/>
-              <a:ext cx="10286529" cy="2603923"/>
+              <a:off x="45884" y="-450121"/>
+              <a:ext cx="10286529" cy="2603922"/>
             </a:xfrm>
             <a:prstGeom prst="rect">
               <a:avLst/>
@@ -4779,13 +4926,274 @@
                 </a:lnSpc>
               </a:pPr>
               <a:r>
-                <a:rPr lang="en-US" sz="2800">
+                <a:rPr lang="en-US" sz="2800" dirty="0" err="1">
                   <a:solidFill>
                     <a:srgbClr val="94DDDE"/>
                   </a:solidFill>
                   <a:latin typeface="Josefin Sans Bold Bold"/>
                 </a:rPr>
-                <a:t>Lớp con bắt buộc phải cài đặt (implement) tất cả các phương thức trừu tượng của lớp cha</a:t>
+                <a:t>Lớp</a:t>
+              </a:r>
+              <a:r>
+                <a:rPr lang="en-US" sz="2800" dirty="0">
+                  <a:solidFill>
+                    <a:srgbClr val="94DDDE"/>
+                  </a:solidFill>
+                  <a:latin typeface="Josefin Sans Bold Bold"/>
+                </a:rPr>
+                <a:t> con </a:t>
+              </a:r>
+              <a:r>
+                <a:rPr lang="en-US" sz="2800" dirty="0" err="1">
+                  <a:solidFill>
+                    <a:srgbClr val="94DDDE"/>
+                  </a:solidFill>
+                  <a:latin typeface="Josefin Sans Bold Bold"/>
+                </a:rPr>
+                <a:t>bắt</a:t>
+              </a:r>
+              <a:r>
+                <a:rPr lang="en-US" sz="2800" dirty="0">
+                  <a:solidFill>
+                    <a:srgbClr val="94DDDE"/>
+                  </a:solidFill>
+                  <a:latin typeface="Josefin Sans Bold Bold"/>
+                </a:rPr>
+                <a:t> </a:t>
+              </a:r>
+              <a:r>
+                <a:rPr lang="en-US" sz="2800" dirty="0" err="1">
+                  <a:solidFill>
+                    <a:srgbClr val="94DDDE"/>
+                  </a:solidFill>
+                  <a:latin typeface="Josefin Sans Bold Bold"/>
+                </a:rPr>
+                <a:t>buộc</a:t>
+              </a:r>
+              <a:r>
+                <a:rPr lang="en-US" sz="2800" dirty="0">
+                  <a:solidFill>
+                    <a:srgbClr val="94DDDE"/>
+                  </a:solidFill>
+                  <a:latin typeface="Josefin Sans Bold Bold"/>
+                </a:rPr>
+                <a:t> </a:t>
+              </a:r>
+              <a:r>
+                <a:rPr lang="en-US" sz="2800" dirty="0" err="1">
+                  <a:solidFill>
+                    <a:srgbClr val="94DDDE"/>
+                  </a:solidFill>
+                  <a:latin typeface="Josefin Sans Bold Bold"/>
+                </a:rPr>
+                <a:t>phải</a:t>
+              </a:r>
+              <a:r>
+                <a:rPr lang="en-US" sz="2800" dirty="0">
+                  <a:solidFill>
+                    <a:srgbClr val="94DDDE"/>
+                  </a:solidFill>
+                  <a:latin typeface="Josefin Sans Bold Bold"/>
+                </a:rPr>
+                <a:t> </a:t>
+              </a:r>
+              <a:r>
+                <a:rPr lang="en-US" sz="2800" dirty="0" err="1">
+                  <a:solidFill>
+                    <a:srgbClr val="94DDDE"/>
+                  </a:solidFill>
+                  <a:latin typeface="Josefin Sans Bold Bold"/>
+                </a:rPr>
+                <a:t>cài</a:t>
+              </a:r>
+              <a:r>
+                <a:rPr lang="en-US" sz="2800" dirty="0">
+                  <a:solidFill>
+                    <a:srgbClr val="94DDDE"/>
+                  </a:solidFill>
+                  <a:latin typeface="Josefin Sans Bold Bold"/>
+                </a:rPr>
+                <a:t> </a:t>
+              </a:r>
+              <a:r>
+                <a:rPr lang="en-US" sz="2800" dirty="0" err="1">
+                  <a:solidFill>
+                    <a:srgbClr val="94DDDE"/>
+                  </a:solidFill>
+                  <a:latin typeface="Josefin Sans Bold Bold"/>
+                </a:rPr>
+                <a:t>đặt</a:t>
+              </a:r>
+              <a:r>
+                <a:rPr lang="en-US" sz="2800" dirty="0">
+                  <a:solidFill>
+                    <a:srgbClr val="94DDDE"/>
+                  </a:solidFill>
+                  <a:latin typeface="Josefin Sans Bold Bold"/>
+                </a:rPr>
+                <a:t> (implement) </a:t>
+              </a:r>
+              <a:r>
+                <a:rPr lang="en-US" sz="2800" dirty="0" err="1">
+                  <a:solidFill>
+                    <a:srgbClr val="94DDDE"/>
+                  </a:solidFill>
+                  <a:latin typeface="Josefin Sans Bold Bold"/>
+                </a:rPr>
+                <a:t>tất</a:t>
+              </a:r>
+              <a:r>
+                <a:rPr lang="en-US" sz="2800" dirty="0">
+                  <a:solidFill>
+                    <a:srgbClr val="94DDDE"/>
+                  </a:solidFill>
+                  <a:latin typeface="Josefin Sans Bold Bold"/>
+                </a:rPr>
+                <a:t> </a:t>
+              </a:r>
+              <a:r>
+                <a:rPr lang="en-US" sz="2800" dirty="0" err="1">
+                  <a:solidFill>
+                    <a:srgbClr val="94DDDE"/>
+                  </a:solidFill>
+                  <a:latin typeface="Josefin Sans Bold Bold"/>
+                </a:rPr>
+                <a:t>cả</a:t>
+              </a:r>
+              <a:r>
+                <a:rPr lang="en-US" sz="2800" dirty="0">
+                  <a:solidFill>
+                    <a:srgbClr val="94DDDE"/>
+                  </a:solidFill>
+                  <a:latin typeface="Josefin Sans Bold Bold"/>
+                </a:rPr>
+                <a:t> </a:t>
+              </a:r>
+              <a:r>
+                <a:rPr lang="en-US" sz="2800" dirty="0" err="1">
+                  <a:solidFill>
+                    <a:srgbClr val="94DDDE"/>
+                  </a:solidFill>
+                  <a:latin typeface="Josefin Sans Bold Bold"/>
+                </a:rPr>
+                <a:t>các</a:t>
+              </a:r>
+              <a:r>
+                <a:rPr lang="en-US" sz="2800" dirty="0">
+                  <a:solidFill>
+                    <a:srgbClr val="94DDDE"/>
+                  </a:solidFill>
+                  <a:latin typeface="Josefin Sans Bold Bold"/>
+                </a:rPr>
+                <a:t> </a:t>
+              </a:r>
+              <a:r>
+                <a:rPr lang="en-US" sz="2800" dirty="0" err="1">
+                  <a:solidFill>
+                    <a:srgbClr val="94DDDE"/>
+                  </a:solidFill>
+                  <a:latin typeface="Josefin Sans Bold Bold"/>
+                </a:rPr>
+                <a:t>phương</a:t>
+              </a:r>
+              <a:r>
+                <a:rPr lang="en-US" sz="2800" dirty="0">
+                  <a:solidFill>
+                    <a:srgbClr val="94DDDE"/>
+                  </a:solidFill>
+                  <a:latin typeface="Josefin Sans Bold Bold"/>
+                </a:rPr>
+                <a:t> </a:t>
+              </a:r>
+              <a:r>
+                <a:rPr lang="en-US" sz="2800" dirty="0" err="1">
+                  <a:solidFill>
+                    <a:srgbClr val="94DDDE"/>
+                  </a:solidFill>
+                  <a:latin typeface="Josefin Sans Bold Bold"/>
+                </a:rPr>
+                <a:t>thức</a:t>
+              </a:r>
+              <a:r>
+                <a:rPr lang="en-US" sz="2800" dirty="0">
+                  <a:solidFill>
+                    <a:srgbClr val="94DDDE"/>
+                  </a:solidFill>
+                  <a:latin typeface="Josefin Sans Bold Bold"/>
+                </a:rPr>
+                <a:t> </a:t>
+              </a:r>
+              <a:r>
+                <a:rPr lang="en-US" sz="2800" dirty="0" err="1">
+                  <a:solidFill>
+                    <a:srgbClr val="94DDDE"/>
+                  </a:solidFill>
+                  <a:latin typeface="Josefin Sans Bold Bold"/>
+                </a:rPr>
+                <a:t>trừu</a:t>
+              </a:r>
+              <a:r>
+                <a:rPr lang="en-US" sz="2800" dirty="0">
+                  <a:solidFill>
+                    <a:srgbClr val="94DDDE"/>
+                  </a:solidFill>
+                  <a:latin typeface="Josefin Sans Bold Bold"/>
+                </a:rPr>
+                <a:t> </a:t>
+              </a:r>
+              <a:r>
+                <a:rPr lang="en-US" sz="2800" dirty="0" err="1">
+                  <a:solidFill>
+                    <a:srgbClr val="94DDDE"/>
+                  </a:solidFill>
+                  <a:latin typeface="Josefin Sans Bold Bold"/>
+                </a:rPr>
+                <a:t>tượng</a:t>
+              </a:r>
+              <a:r>
+                <a:rPr lang="en-US" sz="2800" dirty="0">
+                  <a:solidFill>
+                    <a:srgbClr val="94DDDE"/>
+                  </a:solidFill>
+                  <a:latin typeface="Josefin Sans Bold Bold"/>
+                </a:rPr>
+                <a:t> </a:t>
+              </a:r>
+              <a:r>
+                <a:rPr lang="en-US" sz="2800" dirty="0" err="1">
+                  <a:solidFill>
+                    <a:srgbClr val="94DDDE"/>
+                  </a:solidFill>
+                  <a:latin typeface="Josefin Sans Bold Bold"/>
+                </a:rPr>
+                <a:t>của</a:t>
+              </a:r>
+              <a:r>
+                <a:rPr lang="en-US" sz="2800" dirty="0">
+                  <a:solidFill>
+                    <a:srgbClr val="94DDDE"/>
+                  </a:solidFill>
+                  <a:latin typeface="Josefin Sans Bold Bold"/>
+                </a:rPr>
+                <a:t> </a:t>
+              </a:r>
+              <a:r>
+                <a:rPr lang="en-US" sz="2800" dirty="0" err="1">
+                  <a:solidFill>
+                    <a:srgbClr val="94DDDE"/>
+                  </a:solidFill>
+                  <a:latin typeface="Josefin Sans Bold Bold"/>
+                </a:rPr>
+                <a:t>lớp</a:t>
+              </a:r>
+              <a:r>
+                <a:rPr lang="en-US" sz="2800" dirty="0">
+                  <a:solidFill>
+                    <a:srgbClr val="94DDDE"/>
+                  </a:solidFill>
+                  <a:latin typeface="Josefin Sans Bold Bold"/>
+                </a:rPr>
+                <a:t> cha</a:t>
               </a:r>
             </a:p>
             <a:p>
@@ -4794,7 +5202,7 @@
                   <a:spcPts val="3919"/>
                 </a:lnSpc>
               </a:pPr>
-              <a:endParaRPr lang="en-US" sz="2800">
+              <a:endParaRPr lang="en-US" sz="2800" dirty="0">
                 <a:solidFill>
                   <a:srgbClr val="94DDDE"/>
                 </a:solidFill>
@@ -5121,6 +5529,126 @@
           </p:txBody>
         </p:sp>
       </p:grpSp>
+      <p:pic>
+        <p:nvPicPr>
+          <p:cNvPr id="17" name="Picture 16">
+            <a:extLst>
+              <a:ext uri="{FF2B5EF4-FFF2-40B4-BE49-F238E27FC236}">
+                <a16:creationId xmlns:a16="http://schemas.microsoft.com/office/drawing/2014/main" id="{4BCA72FD-33F7-45D0-9107-7CA29DDD7786}"/>
+              </a:ext>
+            </a:extLst>
+          </p:cNvPr>
+          <p:cNvPicPr>
+            <a:picLocks noChangeAspect="1"/>
+          </p:cNvPicPr>
+          <p:nvPr/>
+        </p:nvPicPr>
+        <p:blipFill>
+          <a:blip r:embed="rId3"/>
+          <a:stretch>
+            <a:fillRect/>
+          </a:stretch>
+        </p:blipFill>
+        <p:spPr>
+          <a:xfrm>
+            <a:off x="8736838" y="4454752"/>
+            <a:ext cx="7071964" cy="847383"/>
+          </a:xfrm>
+          <a:prstGeom prst="rect">
+            <a:avLst/>
+          </a:prstGeom>
+        </p:spPr>
+      </p:pic>
+      <p:pic>
+        <p:nvPicPr>
+          <p:cNvPr id="19" name="Picture 18">
+            <a:extLst>
+              <a:ext uri="{FF2B5EF4-FFF2-40B4-BE49-F238E27FC236}">
+                <a16:creationId xmlns:a16="http://schemas.microsoft.com/office/drawing/2014/main" id="{443F0A44-1D6F-4DC7-9906-A01FD99D2644}"/>
+              </a:ext>
+            </a:extLst>
+          </p:cNvPr>
+          <p:cNvPicPr>
+            <a:picLocks noChangeAspect="1"/>
+          </p:cNvPicPr>
+          <p:nvPr/>
+        </p:nvPicPr>
+        <p:blipFill>
+          <a:blip r:embed="rId4"/>
+          <a:stretch>
+            <a:fillRect/>
+          </a:stretch>
+        </p:blipFill>
+        <p:spPr>
+          <a:xfrm>
+            <a:off x="8736837" y="8773194"/>
+            <a:ext cx="7178613" cy="1083767"/>
+          </a:xfrm>
+          <a:prstGeom prst="rect">
+            <a:avLst/>
+          </a:prstGeom>
+        </p:spPr>
+      </p:pic>
+      <p:pic>
+        <p:nvPicPr>
+          <p:cNvPr id="21" name="Picture 20">
+            <a:extLst>
+              <a:ext uri="{FF2B5EF4-FFF2-40B4-BE49-F238E27FC236}">
+                <a16:creationId xmlns:a16="http://schemas.microsoft.com/office/drawing/2014/main" id="{AE195A04-D3FC-41AC-B615-B11C6BDA053A}"/>
+              </a:ext>
+            </a:extLst>
+          </p:cNvPr>
+          <p:cNvPicPr>
+            <a:picLocks noChangeAspect="1"/>
+          </p:cNvPicPr>
+          <p:nvPr/>
+        </p:nvPicPr>
+        <p:blipFill>
+          <a:blip r:embed="rId5"/>
+          <a:stretch>
+            <a:fillRect/>
+          </a:stretch>
+        </p:blipFill>
+        <p:spPr>
+          <a:xfrm>
+            <a:off x="8712255" y="6425192"/>
+            <a:ext cx="7178613" cy="2189552"/>
+          </a:xfrm>
+          <a:prstGeom prst="rect">
+            <a:avLst/>
+          </a:prstGeom>
+        </p:spPr>
+      </p:pic>
+      <p:pic>
+        <p:nvPicPr>
+          <p:cNvPr id="23" name="Picture 22">
+            <a:extLst>
+              <a:ext uri="{FF2B5EF4-FFF2-40B4-BE49-F238E27FC236}">
+                <a16:creationId xmlns:a16="http://schemas.microsoft.com/office/drawing/2014/main" id="{0CC0AF5B-34CD-4961-BE01-074A5A3B42E4}"/>
+              </a:ext>
+            </a:extLst>
+          </p:cNvPr>
+          <p:cNvPicPr>
+            <a:picLocks noChangeAspect="1"/>
+          </p:cNvPicPr>
+          <p:nvPr/>
+        </p:nvPicPr>
+        <p:blipFill>
+          <a:blip r:embed="rId6"/>
+          <a:stretch>
+            <a:fillRect/>
+          </a:stretch>
+        </p:blipFill>
+        <p:spPr>
+          <a:xfrm>
+            <a:off x="8741752" y="1672255"/>
+            <a:ext cx="6955448" cy="2707137"/>
+          </a:xfrm>
+          <a:prstGeom prst="rect">
+            <a:avLst/>
+          </a:prstGeom>
+        </p:spPr>
+      </p:pic>
     </p:spTree>
   </p:cSld>
   <p:clrMapOvr>
